--- a/答辩PPT/张润华.pptx
+++ b/答辩PPT/张润华.pptx
@@ -2,7 +2,7 @@
 <file path=ppt/presentation.xml><?xml version="1.0" encoding="utf-8"?>
 <p:presentation xmlns:a="http://schemas.openxmlformats.org/drawingml/2006/main" xmlns:r="http://schemas.openxmlformats.org/officeDocument/2006/relationships" xmlns:p="http://schemas.openxmlformats.org/presentationml/2006/main" saveSubsetFonts="1">
   <p:sldMasterIdLst>
-    <p:sldMasterId id="2147483648" r:id="rId1"/>
+    <p:sldMasterId id="2147483708" r:id="rId1"/>
   </p:sldMasterIdLst>
   <p:sldIdLst>
     <p:sldId id="256" r:id="rId2"/>
@@ -1891,6 +1891,13 @@
         </dgm:presLayoutVars>
       </dgm:prSet>
       <dgm:spPr/>
+      <dgm:t>
+        <a:bodyPr/>
+        <a:lstStyle/>
+        <a:p>
+          <a:endParaRPr lang="zh-CN" altLang="en-US"/>
+        </a:p>
+      </dgm:t>
     </dgm:pt>
     <dgm:pt modelId="{AA380651-9114-4751-9560-C22088460670}" type="pres">
       <dgm:prSet presAssocID="{0911F32B-0D79-4615-815B-AC6BA637481A}" presName="singleCycle" presStyleCnt="0"/>
@@ -1904,10 +1911,24 @@
         </dgm:presLayoutVars>
       </dgm:prSet>
       <dgm:spPr/>
+      <dgm:t>
+        <a:bodyPr/>
+        <a:lstStyle/>
+        <a:p>
+          <a:endParaRPr lang="zh-CN" altLang="en-US"/>
+        </a:p>
+      </dgm:t>
     </dgm:pt>
     <dgm:pt modelId="{7819E41C-4E8A-45CF-AA7A-09A5ABC8DF85}" type="pres">
       <dgm:prSet presAssocID="{E65BA322-EF98-4FCA-9F2E-9138481F8D11}" presName="Name56" presStyleLbl="parChTrans1D2" presStyleIdx="0" presStyleCnt="6"/>
       <dgm:spPr/>
+      <dgm:t>
+        <a:bodyPr/>
+        <a:lstStyle/>
+        <a:p>
+          <a:endParaRPr lang="zh-CN" altLang="en-US"/>
+        </a:p>
+      </dgm:t>
     </dgm:pt>
     <dgm:pt modelId="{E1D6321A-4EAF-44C4-BBB8-D881133E9409}" type="pres">
       <dgm:prSet presAssocID="{F55EE01B-DFD1-47CF-95E2-1888CA84B3C4}" presName="text0" presStyleLbl="node1" presStyleIdx="1" presStyleCnt="7">
@@ -1916,10 +1937,24 @@
         </dgm:presLayoutVars>
       </dgm:prSet>
       <dgm:spPr/>
+      <dgm:t>
+        <a:bodyPr/>
+        <a:lstStyle/>
+        <a:p>
+          <a:endParaRPr lang="zh-CN" altLang="en-US"/>
+        </a:p>
+      </dgm:t>
     </dgm:pt>
     <dgm:pt modelId="{012FDED0-19D8-4155-9F30-63D0209CA92C}" type="pres">
       <dgm:prSet presAssocID="{EF707C36-4EDC-4FF1-9E21-6E3B3D2CCD0D}" presName="Name56" presStyleLbl="parChTrans1D2" presStyleIdx="1" presStyleCnt="6"/>
       <dgm:spPr/>
+      <dgm:t>
+        <a:bodyPr/>
+        <a:lstStyle/>
+        <a:p>
+          <a:endParaRPr lang="zh-CN" altLang="en-US"/>
+        </a:p>
+      </dgm:t>
     </dgm:pt>
     <dgm:pt modelId="{7DA514AA-ABB8-4558-826B-3CCCE7D6060E}" type="pres">
       <dgm:prSet presAssocID="{638A17A5-A86D-4F5D-BC5A-925C1133F095}" presName="text0" presStyleLbl="node1" presStyleIdx="2" presStyleCnt="7">
@@ -1928,10 +1963,24 @@
         </dgm:presLayoutVars>
       </dgm:prSet>
       <dgm:spPr/>
+      <dgm:t>
+        <a:bodyPr/>
+        <a:lstStyle/>
+        <a:p>
+          <a:endParaRPr lang="zh-CN" altLang="en-US"/>
+        </a:p>
+      </dgm:t>
     </dgm:pt>
     <dgm:pt modelId="{DAABBFC7-DFE2-4BCC-9A30-F55200AFECCC}" type="pres">
       <dgm:prSet presAssocID="{C2800133-7284-4590-A2D6-7685452C4F04}" presName="Name56" presStyleLbl="parChTrans1D2" presStyleIdx="2" presStyleCnt="6"/>
       <dgm:spPr/>
+      <dgm:t>
+        <a:bodyPr/>
+        <a:lstStyle/>
+        <a:p>
+          <a:endParaRPr lang="zh-CN" altLang="en-US"/>
+        </a:p>
+      </dgm:t>
     </dgm:pt>
     <dgm:pt modelId="{5F4E483C-B89D-4B49-B198-10F4F89E473D}" type="pres">
       <dgm:prSet presAssocID="{B218692F-D002-4375-B546-1571D710372A}" presName="text0" presStyleLbl="node1" presStyleIdx="3" presStyleCnt="7">
@@ -1951,6 +2000,13 @@
     <dgm:pt modelId="{6305CB09-A2E5-4EB8-90F4-E1B78BB33AC8}" type="pres">
       <dgm:prSet presAssocID="{780BF1E1-3257-4E37-9A44-356E85E24A54}" presName="Name56" presStyleLbl="parChTrans1D2" presStyleIdx="3" presStyleCnt="6"/>
       <dgm:spPr/>
+      <dgm:t>
+        <a:bodyPr/>
+        <a:lstStyle/>
+        <a:p>
+          <a:endParaRPr lang="zh-CN" altLang="en-US"/>
+        </a:p>
+      </dgm:t>
     </dgm:pt>
     <dgm:pt modelId="{2189E623-C848-4906-99C9-45897C265292}" type="pres">
       <dgm:prSet presAssocID="{1B0EE0E7-FF0C-4195-85D0-546CEB3E9F51}" presName="text0" presStyleLbl="node1" presStyleIdx="4" presStyleCnt="7">
@@ -1959,10 +2015,24 @@
         </dgm:presLayoutVars>
       </dgm:prSet>
       <dgm:spPr/>
+      <dgm:t>
+        <a:bodyPr/>
+        <a:lstStyle/>
+        <a:p>
+          <a:endParaRPr lang="zh-CN" altLang="en-US"/>
+        </a:p>
+      </dgm:t>
     </dgm:pt>
     <dgm:pt modelId="{2C23E2B5-A004-4B5B-A8D6-A83D99868A11}" type="pres">
       <dgm:prSet presAssocID="{884A0052-1E27-4952-98AB-EF6CDF3A429D}" presName="Name56" presStyleLbl="parChTrans1D2" presStyleIdx="4" presStyleCnt="6"/>
       <dgm:spPr/>
+      <dgm:t>
+        <a:bodyPr/>
+        <a:lstStyle/>
+        <a:p>
+          <a:endParaRPr lang="zh-CN" altLang="en-US"/>
+        </a:p>
+      </dgm:t>
     </dgm:pt>
     <dgm:pt modelId="{F94A1D59-207E-43D8-A589-69B88E88005C}" type="pres">
       <dgm:prSet presAssocID="{962DC050-DE8B-4D89-AB2C-7F80F7F2E864}" presName="text0" presStyleLbl="node1" presStyleIdx="5" presStyleCnt="7">
@@ -1982,6 +2052,13 @@
     <dgm:pt modelId="{1F35515F-F79C-49C5-8672-7090217D8F46}" type="pres">
       <dgm:prSet presAssocID="{CAF62196-F80C-40CB-B801-DA1E560714FD}" presName="Name56" presStyleLbl="parChTrans1D2" presStyleIdx="5" presStyleCnt="6"/>
       <dgm:spPr/>
+      <dgm:t>
+        <a:bodyPr/>
+        <a:lstStyle/>
+        <a:p>
+          <a:endParaRPr lang="zh-CN" altLang="en-US"/>
+        </a:p>
+      </dgm:t>
     </dgm:pt>
     <dgm:pt modelId="{BAC93DF6-8A3D-4B17-9C17-063AD79C6CC8}" type="pres">
       <dgm:prSet presAssocID="{67B4C4BE-C230-438B-95A9-9929B764F6CC}" presName="text0" presStyleLbl="node1" presStyleIdx="6" presStyleCnt="7">
@@ -1990,30 +2067,37 @@
         </dgm:presLayoutVars>
       </dgm:prSet>
       <dgm:spPr/>
+      <dgm:t>
+        <a:bodyPr/>
+        <a:lstStyle/>
+        <a:p>
+          <a:endParaRPr lang="zh-CN" altLang="en-US"/>
+        </a:p>
+      </dgm:t>
     </dgm:pt>
   </dgm:ptLst>
   <dgm:cxnLst>
+    <dgm:cxn modelId="{73D978E8-E0D2-4395-88BC-B33B51846F4A}" type="presOf" srcId="{EF707C36-4EDC-4FF1-9E21-6E3B3D2CCD0D}" destId="{012FDED0-19D8-4155-9F30-63D0209CA92C}" srcOrd="0" destOrd="0" presId="urn:microsoft.com/office/officeart/2008/layout/RadialCluster"/>
+    <dgm:cxn modelId="{B1CCAD5D-BB82-4240-AD5F-2069A162CE43}" type="presOf" srcId="{67B4C4BE-C230-438B-95A9-9929B764F6CC}" destId="{BAC93DF6-8A3D-4B17-9C17-063AD79C6CC8}" srcOrd="0" destOrd="0" presId="urn:microsoft.com/office/officeart/2008/layout/RadialCluster"/>
+    <dgm:cxn modelId="{5CC85759-E211-4396-A760-63AC9192636F}" type="presOf" srcId="{1B0EE0E7-FF0C-4195-85D0-546CEB3E9F51}" destId="{2189E623-C848-4906-99C9-45897C265292}" srcOrd="0" destOrd="0" presId="urn:microsoft.com/office/officeart/2008/layout/RadialCluster"/>
     <dgm:cxn modelId="{BDB8A724-D67F-4CA3-92E6-DC99DABE6C2C}" srcId="{0911F32B-0D79-4615-815B-AC6BA637481A}" destId="{B218692F-D002-4375-B546-1571D710372A}" srcOrd="2" destOrd="0" parTransId="{C2800133-7284-4590-A2D6-7685452C4F04}" sibTransId="{F1C3F125-130A-42CA-8C5C-CBA00071BD0B}"/>
+    <dgm:cxn modelId="{BC0C8BBE-6323-4EC2-A486-8D75C7D9BA24}" srcId="{03E93B88-1B3F-4F8A-8D51-C0787301E49A}" destId="{0911F32B-0D79-4615-815B-AC6BA637481A}" srcOrd="0" destOrd="0" parTransId="{25C1A47F-2C2F-4E66-BBA8-B131BF7AD773}" sibTransId="{5E5ED7F9-2421-4421-865F-708C279BE07A}"/>
+    <dgm:cxn modelId="{0EA19D9C-35DB-49FF-B881-2826CF78AA34}" srcId="{0911F32B-0D79-4615-815B-AC6BA637481A}" destId="{F55EE01B-DFD1-47CF-95E2-1888CA84B3C4}" srcOrd="0" destOrd="0" parTransId="{E65BA322-EF98-4FCA-9F2E-9138481F8D11}" sibTransId="{39573069-5915-4629-B76B-56D7EA900BF8}"/>
+    <dgm:cxn modelId="{11733BEB-1AA2-4597-9165-8A38DCEC1536}" type="presOf" srcId="{CAF62196-F80C-40CB-B801-DA1E560714FD}" destId="{1F35515F-F79C-49C5-8672-7090217D8F46}" srcOrd="0" destOrd="0" presId="urn:microsoft.com/office/officeart/2008/layout/RadialCluster"/>
+    <dgm:cxn modelId="{4B7DFAFD-A987-43D1-902E-4D0546325F26}" srcId="{0911F32B-0D79-4615-815B-AC6BA637481A}" destId="{67B4C4BE-C230-438B-95A9-9929B764F6CC}" srcOrd="5" destOrd="0" parTransId="{CAF62196-F80C-40CB-B801-DA1E560714FD}" sibTransId="{AEE61B1F-A3A0-4B5C-8FC1-6CA3F5598AB0}"/>
+    <dgm:cxn modelId="{6DEAE2F3-64B0-4A93-A77E-486C3487FAED}" type="presOf" srcId="{C2800133-7284-4590-A2D6-7685452C4F04}" destId="{DAABBFC7-DFE2-4BCC-9A30-F55200AFECCC}" srcOrd="0" destOrd="0" presId="urn:microsoft.com/office/officeart/2008/layout/RadialCluster"/>
+    <dgm:cxn modelId="{5137CCEE-8569-4BB5-A044-4CE702C6F91F}" type="presOf" srcId="{0911F32B-0D79-4615-815B-AC6BA637481A}" destId="{CF3BF93F-D703-4D91-8E1B-8CC01CD4ACE1}" srcOrd="0" destOrd="0" presId="urn:microsoft.com/office/officeart/2008/layout/RadialCluster"/>
+    <dgm:cxn modelId="{5CAEBCAC-1B15-4ABE-B9EE-69059A4154CD}" type="presOf" srcId="{F55EE01B-DFD1-47CF-95E2-1888CA84B3C4}" destId="{E1D6321A-4EAF-44C4-BBB8-D881133E9409}" srcOrd="0" destOrd="0" presId="urn:microsoft.com/office/officeart/2008/layout/RadialCluster"/>
     <dgm:cxn modelId="{E9DB50CC-5B91-47E3-8F15-C4645E3DF644}" type="presOf" srcId="{E65BA322-EF98-4FCA-9F2E-9138481F8D11}" destId="{7819E41C-4E8A-45CF-AA7A-09A5ABC8DF85}" srcOrd="0" destOrd="0" presId="urn:microsoft.com/office/officeart/2008/layout/RadialCluster"/>
     <dgm:cxn modelId="{CCEDF0DD-C2A0-4479-AE39-0AE5E1BA9E4D}" type="presOf" srcId="{03E93B88-1B3F-4F8A-8D51-C0787301E49A}" destId="{B936B845-2022-4AC0-B9D6-6B5738100E60}" srcOrd="0" destOrd="0" presId="urn:microsoft.com/office/officeart/2008/layout/RadialCluster"/>
+    <dgm:cxn modelId="{AD64F9B7-ADAB-4102-9CC9-51E6023F4C79}" srcId="{0911F32B-0D79-4615-815B-AC6BA637481A}" destId="{962DC050-DE8B-4D89-AB2C-7F80F7F2E864}" srcOrd="4" destOrd="0" parTransId="{884A0052-1E27-4952-98AB-EF6CDF3A429D}" sibTransId="{E8C499BF-0299-4FC2-B010-B1B778286F8F}"/>
+    <dgm:cxn modelId="{5246AD21-943E-42E5-8C56-B626B23C8EFB}" type="presOf" srcId="{962DC050-DE8B-4D89-AB2C-7F80F7F2E864}" destId="{F94A1D59-207E-43D8-A589-69B88E88005C}" srcOrd="0" destOrd="0" presId="urn:microsoft.com/office/officeart/2008/layout/RadialCluster"/>
+    <dgm:cxn modelId="{E2902E57-5F46-4E15-B229-62157EDBFC35}" srcId="{0911F32B-0D79-4615-815B-AC6BA637481A}" destId="{638A17A5-A86D-4F5D-BC5A-925C1133F095}" srcOrd="1" destOrd="0" parTransId="{EF707C36-4EDC-4FF1-9E21-6E3B3D2CCD0D}" sibTransId="{5DF2BA70-1DA9-4CAD-88E7-E958C534EE7A}"/>
+    <dgm:cxn modelId="{4694575C-A5FF-4ADC-94B3-BA82D7A4BA22}" type="presOf" srcId="{B218692F-D002-4375-B546-1571D710372A}" destId="{5F4E483C-B89D-4B49-B198-10F4F89E473D}" srcOrd="0" destOrd="0" presId="urn:microsoft.com/office/officeart/2008/layout/RadialCluster"/>
+    <dgm:cxn modelId="{F857648C-C644-4293-881C-FB8AF6FD3234}" type="presOf" srcId="{638A17A5-A86D-4F5D-BC5A-925C1133F095}" destId="{7DA514AA-ABB8-4558-826B-3CCCE7D6060E}" srcOrd="0" destOrd="0" presId="urn:microsoft.com/office/officeart/2008/layout/RadialCluster"/>
+    <dgm:cxn modelId="{A54E021B-15C6-4652-ACCD-3B4539D868B0}" type="presOf" srcId="{884A0052-1E27-4952-98AB-EF6CDF3A429D}" destId="{2C23E2B5-A004-4B5B-A8D6-A83D99868A11}" srcOrd="0" destOrd="0" presId="urn:microsoft.com/office/officeart/2008/layout/RadialCluster"/>
     <dgm:cxn modelId="{E8596F05-F450-4B6B-A3BF-EF89EBBD92FE}" type="presOf" srcId="{780BF1E1-3257-4E37-9A44-356E85E24A54}" destId="{6305CB09-A2E5-4EB8-90F4-E1B78BB33AC8}" srcOrd="0" destOrd="0" presId="urn:microsoft.com/office/officeart/2008/layout/RadialCluster"/>
-    <dgm:cxn modelId="{5137CCEE-8569-4BB5-A044-4CE702C6F91F}" type="presOf" srcId="{0911F32B-0D79-4615-815B-AC6BA637481A}" destId="{CF3BF93F-D703-4D91-8E1B-8CC01CD4ACE1}" srcOrd="0" destOrd="0" presId="urn:microsoft.com/office/officeart/2008/layout/RadialCluster"/>
-    <dgm:cxn modelId="{A54E021B-15C6-4652-ACCD-3B4539D868B0}" type="presOf" srcId="{884A0052-1E27-4952-98AB-EF6CDF3A429D}" destId="{2C23E2B5-A004-4B5B-A8D6-A83D99868A11}" srcOrd="0" destOrd="0" presId="urn:microsoft.com/office/officeart/2008/layout/RadialCluster"/>
-    <dgm:cxn modelId="{BC0C8BBE-6323-4EC2-A486-8D75C7D9BA24}" srcId="{03E93B88-1B3F-4F8A-8D51-C0787301E49A}" destId="{0911F32B-0D79-4615-815B-AC6BA637481A}" srcOrd="0" destOrd="0" parTransId="{25C1A47F-2C2F-4E66-BBA8-B131BF7AD773}" sibTransId="{5E5ED7F9-2421-4421-865F-708C279BE07A}"/>
-    <dgm:cxn modelId="{B1CCAD5D-BB82-4240-AD5F-2069A162CE43}" type="presOf" srcId="{67B4C4BE-C230-438B-95A9-9929B764F6CC}" destId="{BAC93DF6-8A3D-4B17-9C17-063AD79C6CC8}" srcOrd="0" destOrd="0" presId="urn:microsoft.com/office/officeart/2008/layout/RadialCluster"/>
-    <dgm:cxn modelId="{E2902E57-5F46-4E15-B229-62157EDBFC35}" srcId="{0911F32B-0D79-4615-815B-AC6BA637481A}" destId="{638A17A5-A86D-4F5D-BC5A-925C1133F095}" srcOrd="1" destOrd="0" parTransId="{EF707C36-4EDC-4FF1-9E21-6E3B3D2CCD0D}" sibTransId="{5DF2BA70-1DA9-4CAD-88E7-E958C534EE7A}"/>
-    <dgm:cxn modelId="{11733BEB-1AA2-4597-9165-8A38DCEC1536}" type="presOf" srcId="{CAF62196-F80C-40CB-B801-DA1E560714FD}" destId="{1F35515F-F79C-49C5-8672-7090217D8F46}" srcOrd="0" destOrd="0" presId="urn:microsoft.com/office/officeart/2008/layout/RadialCluster"/>
-    <dgm:cxn modelId="{5CAEBCAC-1B15-4ABE-B9EE-69059A4154CD}" type="presOf" srcId="{F55EE01B-DFD1-47CF-95E2-1888CA84B3C4}" destId="{E1D6321A-4EAF-44C4-BBB8-D881133E9409}" srcOrd="0" destOrd="0" presId="urn:microsoft.com/office/officeart/2008/layout/RadialCluster"/>
-    <dgm:cxn modelId="{5CC85759-E211-4396-A760-63AC9192636F}" type="presOf" srcId="{1B0EE0E7-FF0C-4195-85D0-546CEB3E9F51}" destId="{2189E623-C848-4906-99C9-45897C265292}" srcOrd="0" destOrd="0" presId="urn:microsoft.com/office/officeart/2008/layout/RadialCluster"/>
-    <dgm:cxn modelId="{F857648C-C644-4293-881C-FB8AF6FD3234}" type="presOf" srcId="{638A17A5-A86D-4F5D-BC5A-925C1133F095}" destId="{7DA514AA-ABB8-4558-826B-3CCCE7D6060E}" srcOrd="0" destOrd="0" presId="urn:microsoft.com/office/officeart/2008/layout/RadialCluster"/>
-    <dgm:cxn modelId="{73D978E8-E0D2-4395-88BC-B33B51846F4A}" type="presOf" srcId="{EF707C36-4EDC-4FF1-9E21-6E3B3D2CCD0D}" destId="{012FDED0-19D8-4155-9F30-63D0209CA92C}" srcOrd="0" destOrd="0" presId="urn:microsoft.com/office/officeart/2008/layout/RadialCluster"/>
-    <dgm:cxn modelId="{6DEAE2F3-64B0-4A93-A77E-486C3487FAED}" type="presOf" srcId="{C2800133-7284-4590-A2D6-7685452C4F04}" destId="{DAABBFC7-DFE2-4BCC-9A30-F55200AFECCC}" srcOrd="0" destOrd="0" presId="urn:microsoft.com/office/officeart/2008/layout/RadialCluster"/>
-    <dgm:cxn modelId="{0EA19D9C-35DB-49FF-B881-2826CF78AA34}" srcId="{0911F32B-0D79-4615-815B-AC6BA637481A}" destId="{F55EE01B-DFD1-47CF-95E2-1888CA84B3C4}" srcOrd="0" destOrd="0" parTransId="{E65BA322-EF98-4FCA-9F2E-9138481F8D11}" sibTransId="{39573069-5915-4629-B76B-56D7EA900BF8}"/>
     <dgm:cxn modelId="{65E8A419-4928-4526-B4E2-FED47A061DE5}" srcId="{0911F32B-0D79-4615-815B-AC6BA637481A}" destId="{1B0EE0E7-FF0C-4195-85D0-546CEB3E9F51}" srcOrd="3" destOrd="0" parTransId="{780BF1E1-3257-4E37-9A44-356E85E24A54}" sibTransId="{41A0D2FE-800B-43FB-BB72-F4E4F51E03A5}"/>
-    <dgm:cxn modelId="{AD64F9B7-ADAB-4102-9CC9-51E6023F4C79}" srcId="{0911F32B-0D79-4615-815B-AC6BA637481A}" destId="{962DC050-DE8B-4D89-AB2C-7F80F7F2E864}" srcOrd="4" destOrd="0" parTransId="{884A0052-1E27-4952-98AB-EF6CDF3A429D}" sibTransId="{E8C499BF-0299-4FC2-B010-B1B778286F8F}"/>
-    <dgm:cxn modelId="{4694575C-A5FF-4ADC-94B3-BA82D7A4BA22}" type="presOf" srcId="{B218692F-D002-4375-B546-1571D710372A}" destId="{5F4E483C-B89D-4B49-B198-10F4F89E473D}" srcOrd="0" destOrd="0" presId="urn:microsoft.com/office/officeart/2008/layout/RadialCluster"/>
-    <dgm:cxn modelId="{4B7DFAFD-A987-43D1-902E-4D0546325F26}" srcId="{0911F32B-0D79-4615-815B-AC6BA637481A}" destId="{67B4C4BE-C230-438B-95A9-9929B764F6CC}" srcOrd="5" destOrd="0" parTransId="{CAF62196-F80C-40CB-B801-DA1E560714FD}" sibTransId="{AEE61B1F-A3A0-4B5C-8FC1-6CA3F5598AB0}"/>
-    <dgm:cxn modelId="{5246AD21-943E-42E5-8C56-B626B23C8EFB}" type="presOf" srcId="{962DC050-DE8B-4D89-AB2C-7F80F7F2E864}" destId="{F94A1D59-207E-43D8-A589-69B88E88005C}" srcOrd="0" destOrd="0" presId="urn:microsoft.com/office/officeart/2008/layout/RadialCluster"/>
     <dgm:cxn modelId="{2CCB583B-80A0-40FC-B5AC-6F3FE582F88E}" type="presParOf" srcId="{B936B845-2022-4AC0-B9D6-6B5738100E60}" destId="{AA380651-9114-4751-9560-C22088460670}" srcOrd="0" destOrd="0" presId="urn:microsoft.com/office/officeart/2008/layout/RadialCluster"/>
     <dgm:cxn modelId="{560FF1AD-E121-4231-8458-9E7F283E5993}" type="presParOf" srcId="{AA380651-9114-4751-9560-C22088460670}" destId="{CF3BF93F-D703-4D91-8E1B-8CC01CD4ACE1}" srcOrd="0" destOrd="0" presId="urn:microsoft.com/office/officeart/2008/layout/RadialCluster"/>
     <dgm:cxn modelId="{BF51AEC6-AA0D-410F-B3A5-261876951F31}" type="presParOf" srcId="{AA380651-9114-4751-9560-C22088460670}" destId="{7819E41C-4E8A-45CF-AA7A-09A5ABC8DF85}" srcOrd="1" destOrd="0" presId="urn:microsoft.com/office/officeart/2008/layout/RadialCluster"/>
@@ -2033,7 +2117,7 @@
   <dgm:whole/>
   <dgm:extLst>
     <a:ext uri="http://schemas.microsoft.com/office/drawing/2008/diagram">
-      <dsp:dataModelExt xmlns:dsp="http://schemas.microsoft.com/office/drawing/2008/diagram" relId="rId6" minVer="http://schemas.openxmlformats.org/drawingml/2006/diagram"/>
+      <dsp:dataModelExt xmlns:dsp="http://schemas.microsoft.com/office/drawing/2008/diagram" xmlns="" relId="rId6" minVer="http://schemas.openxmlformats.org/drawingml/2006/diagram"/>
     </a:ext>
   </dgm:extLst>
 </dgm:dataModel>
@@ -2367,6 +2451,13 @@
         </dgm:presLayoutVars>
       </dgm:prSet>
       <dgm:spPr/>
+      <dgm:t>
+        <a:bodyPr/>
+        <a:lstStyle/>
+        <a:p>
+          <a:endParaRPr lang="zh-CN" altLang="en-US"/>
+        </a:p>
+      </dgm:t>
     </dgm:pt>
     <dgm:pt modelId="{035C52F1-2F07-4E33-A3FD-AB6893EF086F}" type="pres">
       <dgm:prSet presAssocID="{FD6BB9D2-D472-46F9-98D7-9FB6BA1C93E9}" presName="boxAndChildren" presStyleCnt="0"/>
@@ -2375,6 +2466,13 @@
     <dgm:pt modelId="{B4EDDC15-350F-4E59-89EC-6DC6C681A369}" type="pres">
       <dgm:prSet presAssocID="{FD6BB9D2-D472-46F9-98D7-9FB6BA1C93E9}" presName="parentTextBox" presStyleLbl="node1" presStyleIdx="0" presStyleCnt="9"/>
       <dgm:spPr/>
+      <dgm:t>
+        <a:bodyPr/>
+        <a:lstStyle/>
+        <a:p>
+          <a:endParaRPr lang="zh-CN" altLang="en-US"/>
+        </a:p>
+      </dgm:t>
     </dgm:pt>
     <dgm:pt modelId="{73F3672F-6FFA-4D69-80BD-9EB52D5CCD9F}" type="pres">
       <dgm:prSet presAssocID="{EF280A73-0E7B-4619-B35B-4795064FB9A6}" presName="sp" presStyleCnt="0"/>
@@ -2387,6 +2485,13 @@
     <dgm:pt modelId="{552F27E1-582B-41EE-A964-6F45CF1F89D3}" type="pres">
       <dgm:prSet presAssocID="{74E07756-C118-458A-A9F0-A395F692F9B1}" presName="parentTextArrow" presStyleLbl="node1" presStyleIdx="1" presStyleCnt="9"/>
       <dgm:spPr/>
+      <dgm:t>
+        <a:bodyPr/>
+        <a:lstStyle/>
+        <a:p>
+          <a:endParaRPr lang="zh-CN" altLang="en-US"/>
+        </a:p>
+      </dgm:t>
     </dgm:pt>
     <dgm:pt modelId="{76358280-4505-436C-B5CE-B1EB61657BD1}" type="pres">
       <dgm:prSet presAssocID="{7B58F3D9-9432-4367-8538-0AD75CB922FB}" presName="sp" presStyleCnt="0"/>
@@ -2399,6 +2504,13 @@
     <dgm:pt modelId="{983F6476-FB6D-4A66-B9AE-E16C590046ED}" type="pres">
       <dgm:prSet presAssocID="{660B83A0-2D27-430E-BA78-030CCBB83B2B}" presName="parentTextArrow" presStyleLbl="node1" presStyleIdx="2" presStyleCnt="9"/>
       <dgm:spPr/>
+      <dgm:t>
+        <a:bodyPr/>
+        <a:lstStyle/>
+        <a:p>
+          <a:endParaRPr lang="zh-CN" altLang="en-US"/>
+        </a:p>
+      </dgm:t>
     </dgm:pt>
     <dgm:pt modelId="{D2D71A6D-E04B-4F35-9939-B73B696608F5}" type="pres">
       <dgm:prSet presAssocID="{F45EF22E-6A10-4813-A7FD-87C18CF5EFFE}" presName="sp" presStyleCnt="0"/>
@@ -2411,6 +2523,13 @@
     <dgm:pt modelId="{EE7FBA37-6B14-49C2-9BBF-8ACF2D1494FE}" type="pres">
       <dgm:prSet presAssocID="{53F246E8-2636-4EA0-A602-2BDB1187CEB6}" presName="parentTextArrow" presStyleLbl="node1" presStyleIdx="3" presStyleCnt="9"/>
       <dgm:spPr/>
+      <dgm:t>
+        <a:bodyPr/>
+        <a:lstStyle/>
+        <a:p>
+          <a:endParaRPr lang="zh-CN" altLang="en-US"/>
+        </a:p>
+      </dgm:t>
     </dgm:pt>
     <dgm:pt modelId="{2A0B932E-8CED-4CAC-B1C6-73DA9D1FA2CD}" type="pres">
       <dgm:prSet presAssocID="{D902413F-7186-4542-BD3E-DBBA3FEFD6A1}" presName="sp" presStyleCnt="0"/>
@@ -2423,6 +2542,13 @@
     <dgm:pt modelId="{4A6D7F9B-B686-42AE-9E4F-8F80660A8638}" type="pres">
       <dgm:prSet presAssocID="{0FD6E0D8-47EF-42B4-A9A5-E5CDC5F719B7}" presName="parentTextArrow" presStyleLbl="node1" presStyleIdx="4" presStyleCnt="9"/>
       <dgm:spPr/>
+      <dgm:t>
+        <a:bodyPr/>
+        <a:lstStyle/>
+        <a:p>
+          <a:endParaRPr lang="zh-CN" altLang="en-US"/>
+        </a:p>
+      </dgm:t>
     </dgm:pt>
     <dgm:pt modelId="{9D56AC66-CB13-4968-9808-D361033BF95F}" type="pres">
       <dgm:prSet presAssocID="{C798E71A-C33A-44F4-8880-B9F55E81F8C8}" presName="sp" presStyleCnt="0"/>
@@ -2435,6 +2561,13 @@
     <dgm:pt modelId="{2B46336A-D0DA-4A1B-A651-44CFC5A60B24}" type="pres">
       <dgm:prSet presAssocID="{0C9E1543-62BB-48BD-AEC6-5C7CF21D2820}" presName="parentTextArrow" presStyleLbl="node1" presStyleIdx="5" presStyleCnt="9"/>
       <dgm:spPr/>
+      <dgm:t>
+        <a:bodyPr/>
+        <a:lstStyle/>
+        <a:p>
+          <a:endParaRPr lang="zh-CN" altLang="en-US"/>
+        </a:p>
+      </dgm:t>
     </dgm:pt>
     <dgm:pt modelId="{7CDA27F6-ACD0-4426-8914-397F5618BEEC}" type="pres">
       <dgm:prSet presAssocID="{7478E4BA-3A01-4E95-B468-787F3DB4FAD1}" presName="sp" presStyleCnt="0"/>
@@ -2447,6 +2580,13 @@
     <dgm:pt modelId="{38BE2105-40AC-4E0C-85E0-8E8F331167DF}" type="pres">
       <dgm:prSet presAssocID="{BF31DAEA-7C3B-4097-A35B-290ED8CD2B4A}" presName="parentTextArrow" presStyleLbl="node1" presStyleIdx="6" presStyleCnt="9"/>
       <dgm:spPr/>
+      <dgm:t>
+        <a:bodyPr/>
+        <a:lstStyle/>
+        <a:p>
+          <a:endParaRPr lang="zh-CN" altLang="en-US"/>
+        </a:p>
+      </dgm:t>
     </dgm:pt>
     <dgm:pt modelId="{64948B84-140C-46B0-88A8-E2C7D3BB9E83}" type="pres">
       <dgm:prSet presAssocID="{264ACE9C-8E67-4D36-97D6-FFA35DBD4D06}" presName="sp" presStyleCnt="0"/>
@@ -2459,6 +2599,13 @@
     <dgm:pt modelId="{A6D22694-C794-4B71-9E99-45B22A3BA954}" type="pres">
       <dgm:prSet presAssocID="{DCBB244E-22FA-4309-9574-9533E2F068B6}" presName="parentTextArrow" presStyleLbl="node1" presStyleIdx="7" presStyleCnt="9"/>
       <dgm:spPr/>
+      <dgm:t>
+        <a:bodyPr/>
+        <a:lstStyle/>
+        <a:p>
+          <a:endParaRPr lang="zh-CN" altLang="en-US"/>
+        </a:p>
+      </dgm:t>
     </dgm:pt>
     <dgm:pt modelId="{75AEA2FB-D8FC-4DF5-BE7C-D7B1C3A57F03}" type="pres">
       <dgm:prSet presAssocID="{08AFA8CC-8B49-487E-802F-909DBBCA71CB}" presName="sp" presStyleCnt="0"/>
@@ -2471,28 +2618,35 @@
     <dgm:pt modelId="{8B8BFCDC-1157-4265-9522-739C512BCCF0}" type="pres">
       <dgm:prSet presAssocID="{DB446B6F-A889-468A-8E92-B7E706091681}" presName="parentTextArrow" presStyleLbl="node1" presStyleIdx="8" presStyleCnt="9"/>
       <dgm:spPr/>
+      <dgm:t>
+        <a:bodyPr/>
+        <a:lstStyle/>
+        <a:p>
+          <a:endParaRPr lang="zh-CN" altLang="en-US"/>
+        </a:p>
+      </dgm:t>
     </dgm:pt>
   </dgm:ptLst>
   <dgm:cxnLst>
-    <dgm:cxn modelId="{AF0501C1-5CD2-4C32-AFE6-645C1BAB7BB3}" type="presOf" srcId="{DCBB244E-22FA-4309-9574-9533E2F068B6}" destId="{A6D22694-C794-4B71-9E99-45B22A3BA954}" srcOrd="0" destOrd="0" presId="urn:microsoft.com/office/officeart/2005/8/layout/process4"/>
-    <dgm:cxn modelId="{C9BBA91E-9FC9-49D7-8F3B-C1152D6D257E}" type="presOf" srcId="{660B83A0-2D27-430E-BA78-030CCBB83B2B}" destId="{983F6476-FB6D-4A66-B9AE-E16C590046ED}" srcOrd="0" destOrd="0" presId="urn:microsoft.com/office/officeart/2005/8/layout/process4"/>
-    <dgm:cxn modelId="{A5E74A20-7613-4D56-9C63-99C2A7F0C6D2}" type="presOf" srcId="{0FD6E0D8-47EF-42B4-A9A5-E5CDC5F719B7}" destId="{4A6D7F9B-B686-42AE-9E4F-8F80660A8638}" srcOrd="0" destOrd="0" presId="urn:microsoft.com/office/officeart/2005/8/layout/process4"/>
+    <dgm:cxn modelId="{78C95E10-1A20-4741-898B-52E5F888E433}" type="presOf" srcId="{74E07756-C118-458A-A9F0-A395F692F9B1}" destId="{552F27E1-582B-41EE-A964-6F45CF1F89D3}" srcOrd="0" destOrd="0" presId="urn:microsoft.com/office/officeart/2005/8/layout/process4"/>
+    <dgm:cxn modelId="{617E7D01-5F4C-4478-B243-E4C3B779C4AA}" srcId="{111F8B99-A176-4CC2-9045-D24A50A5390A}" destId="{BF31DAEA-7C3B-4097-A35B-290ED8CD2B4A}" srcOrd="2" destOrd="0" parTransId="{DD26158A-2C63-4841-AFC6-371D45228697}" sibTransId="{7478E4BA-3A01-4E95-B468-787F3DB4FAD1}"/>
     <dgm:cxn modelId="{C805ED4D-CC5B-4503-9A90-0BF3B6D88537}" type="presOf" srcId="{FD6BB9D2-D472-46F9-98D7-9FB6BA1C93E9}" destId="{B4EDDC15-350F-4E59-89EC-6DC6C681A369}" srcOrd="0" destOrd="0" presId="urn:microsoft.com/office/officeart/2005/8/layout/process4"/>
     <dgm:cxn modelId="{99FC3C24-D5B1-450B-9273-3C8E8DF89E51}" srcId="{111F8B99-A176-4CC2-9045-D24A50A5390A}" destId="{53F246E8-2636-4EA0-A602-2BDB1187CEB6}" srcOrd="5" destOrd="0" parTransId="{16B3A319-1327-448C-9C62-FB35EDABBBF6}" sibTransId="{F45EF22E-6A10-4813-A7FD-87C18CF5EFFE}"/>
+    <dgm:cxn modelId="{1E7EA96F-ED30-4C09-979F-EBFFA31531D5}" type="presOf" srcId="{DB446B6F-A889-468A-8E92-B7E706091681}" destId="{8B8BFCDC-1157-4265-9522-739C512BCCF0}" srcOrd="0" destOrd="0" presId="urn:microsoft.com/office/officeart/2005/8/layout/process4"/>
+    <dgm:cxn modelId="{3F4B0177-D76C-403D-AA2A-4AF267DF4A9A}" srcId="{111F8B99-A176-4CC2-9045-D24A50A5390A}" destId="{660B83A0-2D27-430E-BA78-030CCBB83B2B}" srcOrd="6" destOrd="0" parTransId="{41C1D94C-F676-463C-ADE0-083D95D07AA3}" sibTransId="{7B58F3D9-9432-4367-8538-0AD75CB922FB}"/>
+    <dgm:cxn modelId="{85B3E8F8-2C77-4BB8-927A-58E6C12AC4CA}" type="presOf" srcId="{111F8B99-A176-4CC2-9045-D24A50A5390A}" destId="{5A048F8D-E3BE-4527-85D0-72A1CA6B3AEB}" srcOrd="0" destOrd="0" presId="urn:microsoft.com/office/officeart/2005/8/layout/process4"/>
+    <dgm:cxn modelId="{D7A38173-C5B3-4859-8437-AD155CC049DD}" srcId="{111F8B99-A176-4CC2-9045-D24A50A5390A}" destId="{74E07756-C118-458A-A9F0-A395F692F9B1}" srcOrd="7" destOrd="0" parTransId="{3FDAB551-31CF-4AE8-9788-05091CC7D518}" sibTransId="{EF280A73-0E7B-4619-B35B-4795064FB9A6}"/>
+    <dgm:cxn modelId="{AF0501C1-5CD2-4C32-AFE6-645C1BAB7BB3}" type="presOf" srcId="{DCBB244E-22FA-4309-9574-9533E2F068B6}" destId="{A6D22694-C794-4B71-9E99-45B22A3BA954}" srcOrd="0" destOrd="0" presId="urn:microsoft.com/office/officeart/2005/8/layout/process4"/>
+    <dgm:cxn modelId="{DAB24831-168D-4DC1-8ADE-FEF2BA0B61D7}" srcId="{111F8B99-A176-4CC2-9045-D24A50A5390A}" destId="{DCBB244E-22FA-4309-9574-9533E2F068B6}" srcOrd="1" destOrd="0" parTransId="{B4C71D31-F7CE-4259-97C5-096432BE3DDE}" sibTransId="{264ACE9C-8E67-4D36-97D6-FFA35DBD4D06}"/>
+    <dgm:cxn modelId="{1ED44C99-F4AC-4150-91C7-3943AB1F595C}" srcId="{111F8B99-A176-4CC2-9045-D24A50A5390A}" destId="{FD6BB9D2-D472-46F9-98D7-9FB6BA1C93E9}" srcOrd="8" destOrd="0" parTransId="{0236DF2A-2792-4AE5-95BD-808AF9835F56}" sibTransId="{CC7B03BB-9130-409F-A39F-5188EFBF3153}"/>
+    <dgm:cxn modelId="{FDA79314-815B-455F-BA15-A6DCEA8005E4}" type="presOf" srcId="{0C9E1543-62BB-48BD-AEC6-5C7CF21D2820}" destId="{2B46336A-D0DA-4A1B-A651-44CFC5A60B24}" srcOrd="0" destOrd="0" presId="urn:microsoft.com/office/officeart/2005/8/layout/process4"/>
+    <dgm:cxn modelId="{10A30937-927B-4A0B-AB2E-4706AC813879}" type="presOf" srcId="{53F246E8-2636-4EA0-A602-2BDB1187CEB6}" destId="{EE7FBA37-6B14-49C2-9BBF-8ACF2D1494FE}" srcOrd="0" destOrd="0" presId="urn:microsoft.com/office/officeart/2005/8/layout/process4"/>
+    <dgm:cxn modelId="{69D0B7F2-6B7E-4C2B-B87B-6A10301E33C3}" srcId="{111F8B99-A176-4CC2-9045-D24A50A5390A}" destId="{0FD6E0D8-47EF-42B4-A9A5-E5CDC5F719B7}" srcOrd="4" destOrd="0" parTransId="{F5F4C50D-B418-44DB-A953-5F873534C555}" sibTransId="{D902413F-7186-4542-BD3E-DBBA3FEFD6A1}"/>
+    <dgm:cxn modelId="{A5E74A20-7613-4D56-9C63-99C2A7F0C6D2}" type="presOf" srcId="{0FD6E0D8-47EF-42B4-A9A5-E5CDC5F719B7}" destId="{4A6D7F9B-B686-42AE-9E4F-8F80660A8638}" srcOrd="0" destOrd="0" presId="urn:microsoft.com/office/officeart/2005/8/layout/process4"/>
+    <dgm:cxn modelId="{0E5839CE-9F0B-469A-A20A-D3218A58CCD1}" type="presOf" srcId="{BF31DAEA-7C3B-4097-A35B-290ED8CD2B4A}" destId="{38BE2105-40AC-4E0C-85E0-8E8F331167DF}" srcOrd="0" destOrd="0" presId="urn:microsoft.com/office/officeart/2005/8/layout/process4"/>
+    <dgm:cxn modelId="{F693F71B-130D-41B9-93EC-11A93EF8EE40}" srcId="{111F8B99-A176-4CC2-9045-D24A50A5390A}" destId="{DB446B6F-A889-468A-8E92-B7E706091681}" srcOrd="0" destOrd="0" parTransId="{B9F3E62A-6246-444C-9B24-189F97580B73}" sibTransId="{08AFA8CC-8B49-487E-802F-909DBBCA71CB}"/>
+    <dgm:cxn modelId="{C9BBA91E-9FC9-49D7-8F3B-C1152D6D257E}" type="presOf" srcId="{660B83A0-2D27-430E-BA78-030CCBB83B2B}" destId="{983F6476-FB6D-4A66-B9AE-E16C590046ED}" srcOrd="0" destOrd="0" presId="urn:microsoft.com/office/officeart/2005/8/layout/process4"/>
     <dgm:cxn modelId="{C66C2912-384D-41DA-BAC1-9D9DB1C50A5C}" srcId="{111F8B99-A176-4CC2-9045-D24A50A5390A}" destId="{0C9E1543-62BB-48BD-AEC6-5C7CF21D2820}" srcOrd="3" destOrd="0" parTransId="{F42F8DA7-4CFA-4DB2-8088-DFB5B2C450F6}" sibTransId="{C798E71A-C33A-44F4-8880-B9F55E81F8C8}"/>
-    <dgm:cxn modelId="{1E7EA96F-ED30-4C09-979F-EBFFA31531D5}" type="presOf" srcId="{DB446B6F-A889-468A-8E92-B7E706091681}" destId="{8B8BFCDC-1157-4265-9522-739C512BCCF0}" srcOrd="0" destOrd="0" presId="urn:microsoft.com/office/officeart/2005/8/layout/process4"/>
-    <dgm:cxn modelId="{78C95E10-1A20-4741-898B-52E5F888E433}" type="presOf" srcId="{74E07756-C118-458A-A9F0-A395F692F9B1}" destId="{552F27E1-582B-41EE-A964-6F45CF1F89D3}" srcOrd="0" destOrd="0" presId="urn:microsoft.com/office/officeart/2005/8/layout/process4"/>
-    <dgm:cxn modelId="{F693F71B-130D-41B9-93EC-11A93EF8EE40}" srcId="{111F8B99-A176-4CC2-9045-D24A50A5390A}" destId="{DB446B6F-A889-468A-8E92-B7E706091681}" srcOrd="0" destOrd="0" parTransId="{B9F3E62A-6246-444C-9B24-189F97580B73}" sibTransId="{08AFA8CC-8B49-487E-802F-909DBBCA71CB}"/>
-    <dgm:cxn modelId="{1ED44C99-F4AC-4150-91C7-3943AB1F595C}" srcId="{111F8B99-A176-4CC2-9045-D24A50A5390A}" destId="{FD6BB9D2-D472-46F9-98D7-9FB6BA1C93E9}" srcOrd="8" destOrd="0" parTransId="{0236DF2A-2792-4AE5-95BD-808AF9835F56}" sibTransId="{CC7B03BB-9130-409F-A39F-5188EFBF3153}"/>
-    <dgm:cxn modelId="{85B3E8F8-2C77-4BB8-927A-58E6C12AC4CA}" type="presOf" srcId="{111F8B99-A176-4CC2-9045-D24A50A5390A}" destId="{5A048F8D-E3BE-4527-85D0-72A1CA6B3AEB}" srcOrd="0" destOrd="0" presId="urn:microsoft.com/office/officeart/2005/8/layout/process4"/>
-    <dgm:cxn modelId="{617E7D01-5F4C-4478-B243-E4C3B779C4AA}" srcId="{111F8B99-A176-4CC2-9045-D24A50A5390A}" destId="{BF31DAEA-7C3B-4097-A35B-290ED8CD2B4A}" srcOrd="2" destOrd="0" parTransId="{DD26158A-2C63-4841-AFC6-371D45228697}" sibTransId="{7478E4BA-3A01-4E95-B468-787F3DB4FAD1}"/>
-    <dgm:cxn modelId="{FDA79314-815B-455F-BA15-A6DCEA8005E4}" type="presOf" srcId="{0C9E1543-62BB-48BD-AEC6-5C7CF21D2820}" destId="{2B46336A-D0DA-4A1B-A651-44CFC5A60B24}" srcOrd="0" destOrd="0" presId="urn:microsoft.com/office/officeart/2005/8/layout/process4"/>
-    <dgm:cxn modelId="{69D0B7F2-6B7E-4C2B-B87B-6A10301E33C3}" srcId="{111F8B99-A176-4CC2-9045-D24A50A5390A}" destId="{0FD6E0D8-47EF-42B4-A9A5-E5CDC5F719B7}" srcOrd="4" destOrd="0" parTransId="{F5F4C50D-B418-44DB-A953-5F873534C555}" sibTransId="{D902413F-7186-4542-BD3E-DBBA3FEFD6A1}"/>
-    <dgm:cxn modelId="{D7A38173-C5B3-4859-8437-AD155CC049DD}" srcId="{111F8B99-A176-4CC2-9045-D24A50A5390A}" destId="{74E07756-C118-458A-A9F0-A395F692F9B1}" srcOrd="7" destOrd="0" parTransId="{3FDAB551-31CF-4AE8-9788-05091CC7D518}" sibTransId="{EF280A73-0E7B-4619-B35B-4795064FB9A6}"/>
-    <dgm:cxn modelId="{10A30937-927B-4A0B-AB2E-4706AC813879}" type="presOf" srcId="{53F246E8-2636-4EA0-A602-2BDB1187CEB6}" destId="{EE7FBA37-6B14-49C2-9BBF-8ACF2D1494FE}" srcOrd="0" destOrd="0" presId="urn:microsoft.com/office/officeart/2005/8/layout/process4"/>
-    <dgm:cxn modelId="{0E5839CE-9F0B-469A-A20A-D3218A58CCD1}" type="presOf" srcId="{BF31DAEA-7C3B-4097-A35B-290ED8CD2B4A}" destId="{38BE2105-40AC-4E0C-85E0-8E8F331167DF}" srcOrd="0" destOrd="0" presId="urn:microsoft.com/office/officeart/2005/8/layout/process4"/>
-    <dgm:cxn modelId="{3F4B0177-D76C-403D-AA2A-4AF267DF4A9A}" srcId="{111F8B99-A176-4CC2-9045-D24A50A5390A}" destId="{660B83A0-2D27-430E-BA78-030CCBB83B2B}" srcOrd="6" destOrd="0" parTransId="{41C1D94C-F676-463C-ADE0-083D95D07AA3}" sibTransId="{7B58F3D9-9432-4367-8538-0AD75CB922FB}"/>
-    <dgm:cxn modelId="{DAB24831-168D-4DC1-8ADE-FEF2BA0B61D7}" srcId="{111F8B99-A176-4CC2-9045-D24A50A5390A}" destId="{DCBB244E-22FA-4309-9574-9533E2F068B6}" srcOrd="1" destOrd="0" parTransId="{B4C71D31-F7CE-4259-97C5-096432BE3DDE}" sibTransId="{264ACE9C-8E67-4D36-97D6-FFA35DBD4D06}"/>
     <dgm:cxn modelId="{F88BFC99-C997-4CAA-B3CF-BA62E7A1A5CF}" type="presParOf" srcId="{5A048F8D-E3BE-4527-85D0-72A1CA6B3AEB}" destId="{035C52F1-2F07-4E33-A3FD-AB6893EF086F}" srcOrd="0" destOrd="0" presId="urn:microsoft.com/office/officeart/2005/8/layout/process4"/>
     <dgm:cxn modelId="{60F45A63-E001-4CCA-951D-3AA0AA5797B3}" type="presParOf" srcId="{035C52F1-2F07-4E33-A3FD-AB6893EF086F}" destId="{B4EDDC15-350F-4E59-89EC-6DC6C681A369}" srcOrd="0" destOrd="0" presId="urn:microsoft.com/office/officeart/2005/8/layout/process4"/>
     <dgm:cxn modelId="{2CCED7F8-4DE3-40AA-B01C-5CEF5C63FA0D}" type="presParOf" srcId="{5A048F8D-E3BE-4527-85D0-72A1CA6B3AEB}" destId="{73F3672F-6FFA-4D69-80BD-9EB52D5CCD9F}" srcOrd="1" destOrd="0" presId="urn:microsoft.com/office/officeart/2005/8/layout/process4"/>
@@ -2524,14 +2678,14 @@
   <dgm:whole/>
   <dgm:extLst>
     <a:ext uri="http://schemas.microsoft.com/office/drawing/2008/diagram">
-      <dsp:dataModelExt xmlns:dsp="http://schemas.microsoft.com/office/drawing/2008/diagram" relId="rId6" minVer="http://schemas.openxmlformats.org/drawingml/2006/diagram"/>
+      <dsp:dataModelExt xmlns:dsp="http://schemas.microsoft.com/office/drawing/2008/diagram" xmlns="" relId="rId6" minVer="http://schemas.openxmlformats.org/drawingml/2006/diagram"/>
     </a:ext>
   </dgm:extLst>
 </dgm:dataModel>
 </file>
 
 <file path=ppt/diagrams/drawing1.xml><?xml version="1.0" encoding="utf-8"?>
-<dsp:drawing xmlns:dgm="http://schemas.openxmlformats.org/drawingml/2006/diagram" xmlns:dsp="http://schemas.microsoft.com/office/drawing/2008/diagram" xmlns:a="http://schemas.openxmlformats.org/drawingml/2006/main">
+<dsp:drawing xmlns:dgm="http://schemas.openxmlformats.org/drawingml/2006/diagram" xmlns:a="http://schemas.openxmlformats.org/drawingml/2006/main" xmlns:dsp="http://schemas.microsoft.com/office/drawing/2008/diagram">
   <dsp:spTree>
     <dsp:nvGrpSpPr>
       <dsp:cNvPr id="0" name=""/>
@@ -2611,8 +2765,8 @@
         </a:p>
       </dsp:txBody>
       <dsp:txXfrm>
-        <a:off x="1472654" y="1716335"/>
-        <a:ext cx="1093292" cy="1093292"/>
+        <a:off x="1413510" y="1657191"/>
+        <a:ext cx="1211580" cy="1211580"/>
       </dsp:txXfrm>
     </dsp:sp>
     <dsp:sp modelId="{7819E41C-4E8A-45CF-AA7A-09A5ABC8DF85}">
@@ -2743,8 +2897,8 @@
         </a:p>
       </dsp:txBody>
       <dsp:txXfrm>
-        <a:off x="1653047" y="283655"/>
-        <a:ext cx="732504" cy="732504"/>
+        <a:off x="1613420" y="244028"/>
+        <a:ext cx="811758" cy="811758"/>
       </dsp:txXfrm>
     </dsp:sp>
     <dsp:sp modelId="{012FDED0-19D8-4155-9F30-63D0209CA92C}">
@@ -2875,8 +3029,8 @@
         </a:p>
       </dsp:txBody>
       <dsp:txXfrm>
-        <a:off x="3050010" y="1090192"/>
-        <a:ext cx="732504" cy="732504"/>
+        <a:off x="3010383" y="1050565"/>
+        <a:ext cx="811758" cy="811758"/>
       </dsp:txXfrm>
     </dsp:sp>
     <dsp:sp modelId="{DAABBFC7-DFE2-4BCC-9A30-F55200AFECCC}">
@@ -3007,8 +3161,8 @@
         </a:p>
       </dsp:txBody>
       <dsp:txXfrm>
-        <a:off x="3050010" y="2703266"/>
-        <a:ext cx="732504" cy="732504"/>
+        <a:off x="3010383" y="2663639"/>
+        <a:ext cx="811758" cy="811758"/>
       </dsp:txXfrm>
     </dsp:sp>
     <dsp:sp modelId="{6305CB09-A2E5-4EB8-90F4-E1B78BB33AC8}">
@@ -3139,8 +3293,8 @@
         </a:p>
       </dsp:txBody>
       <dsp:txXfrm>
-        <a:off x="1653047" y="3509802"/>
-        <a:ext cx="732504" cy="732504"/>
+        <a:off x="1613420" y="3470175"/>
+        <a:ext cx="811758" cy="811758"/>
       </dsp:txXfrm>
     </dsp:sp>
     <dsp:sp modelId="{2C23E2B5-A004-4B5B-A8D6-A83D99868A11}">
@@ -3271,8 +3425,8 @@
         </a:p>
       </dsp:txBody>
       <dsp:txXfrm>
-        <a:off x="256084" y="2703266"/>
-        <a:ext cx="732504" cy="732504"/>
+        <a:off x="216457" y="2663639"/>
+        <a:ext cx="811758" cy="811758"/>
       </dsp:txXfrm>
     </dsp:sp>
     <dsp:sp modelId="{1F35515F-F79C-49C5-8672-7090217D8F46}">
@@ -3403,8 +3557,8 @@
         </a:p>
       </dsp:txBody>
       <dsp:txXfrm>
-        <a:off x="256084" y="1090192"/>
-        <a:ext cx="732504" cy="732504"/>
+        <a:off x="216457" y="1050565"/>
+        <a:ext cx="811758" cy="811758"/>
       </dsp:txXfrm>
     </dsp:sp>
   </dsp:spTree>
@@ -3412,7 +3566,7 @@
 </file>
 
 <file path=ppt/diagrams/drawing2.xml><?xml version="1.0" encoding="utf-8"?>
-<dsp:drawing xmlns:dgm="http://schemas.openxmlformats.org/drawingml/2006/diagram" xmlns:dsp="http://schemas.microsoft.com/office/drawing/2008/diagram" xmlns:a="http://schemas.openxmlformats.org/drawingml/2006/main">
+<dsp:drawing xmlns:dgm="http://schemas.openxmlformats.org/drawingml/2006/diagram" xmlns:a="http://schemas.openxmlformats.org/drawingml/2006/main" xmlns:dsp="http://schemas.microsoft.com/office/drawing/2008/diagram">
   <dsp:spTree>
     <dsp:nvGrpSpPr>
       <dsp:cNvPr id="0" name=""/>
@@ -3612,7 +3766,7 @@
       </dsp:txBody>
       <dsp:txXfrm rot="10800000">
         <a:off x="0" y="4731968"/>
-        <a:ext cx="5111749" cy="443409"/>
+        <a:ext cx="5111749" cy="682409"/>
       </dsp:txXfrm>
     </dsp:sp>
     <dsp:sp modelId="{983F6476-FB6D-4A66-B9AE-E16C590046ED}">
@@ -3710,7 +3864,7 @@
       </dsp:txBody>
       <dsp:txXfrm rot="10800000">
         <a:off x="0" y="4056214"/>
-        <a:ext cx="5111749" cy="443409"/>
+        <a:ext cx="5111749" cy="682409"/>
       </dsp:txXfrm>
     </dsp:sp>
     <dsp:sp modelId="{EE7FBA37-6B14-49C2-9BBF-8ACF2D1494FE}">
@@ -3808,7 +3962,7 @@
       </dsp:txBody>
       <dsp:txXfrm rot="10800000">
         <a:off x="0" y="3380460"/>
-        <a:ext cx="5111749" cy="443409"/>
+        <a:ext cx="5111749" cy="682409"/>
       </dsp:txXfrm>
     </dsp:sp>
     <dsp:sp modelId="{4A6D7F9B-B686-42AE-9E4F-8F80660A8638}">
@@ -3906,7 +4060,7 @@
       </dsp:txBody>
       <dsp:txXfrm rot="10800000">
         <a:off x="0" y="2704706"/>
-        <a:ext cx="5111749" cy="443409"/>
+        <a:ext cx="5111749" cy="682409"/>
       </dsp:txXfrm>
     </dsp:sp>
     <dsp:sp modelId="{2B46336A-D0DA-4A1B-A651-44CFC5A60B24}">
@@ -4004,7 +4158,7 @@
       </dsp:txBody>
       <dsp:txXfrm rot="10800000">
         <a:off x="0" y="2028953"/>
-        <a:ext cx="5111749" cy="443409"/>
+        <a:ext cx="5111749" cy="682409"/>
       </dsp:txXfrm>
     </dsp:sp>
     <dsp:sp modelId="{38BE2105-40AC-4E0C-85E0-8E8F331167DF}">
@@ -4102,7 +4256,7 @@
       </dsp:txBody>
       <dsp:txXfrm rot="10800000">
         <a:off x="0" y="1353199"/>
-        <a:ext cx="5111749" cy="443409"/>
+        <a:ext cx="5111749" cy="682409"/>
       </dsp:txXfrm>
     </dsp:sp>
     <dsp:sp modelId="{A6D22694-C794-4B71-9E99-45B22A3BA954}">
@@ -4204,7 +4358,7 @@
       </dsp:txBody>
       <dsp:txXfrm rot="10800000">
         <a:off x="0" y="677445"/>
-        <a:ext cx="5111749" cy="443409"/>
+        <a:ext cx="5111749" cy="682409"/>
       </dsp:txXfrm>
     </dsp:sp>
     <dsp:sp modelId="{8B8BFCDC-1157-4265-9522-739C512BCCF0}">
@@ -4306,7 +4460,7 @@
       </dsp:txBody>
       <dsp:txXfrm rot="10800000">
         <a:off x="0" y="1691"/>
-        <a:ext cx="5111749" cy="443409"/>
+        <a:ext cx="5111749" cy="682409"/>
       </dsp:txXfrm>
     </dsp:sp>
   </dsp:spTree>
@@ -9841,8 +9995,8 @@
         </p:nvSpPr>
         <p:spPr>
           <a:xfrm>
-            <a:off x="0" y="2130425"/>
-            <a:ext cx="9144000" cy="1470025"/>
+            <a:off x="685800" y="2130425"/>
+            <a:ext cx="7772400" cy="1470025"/>
           </a:xfrm>
         </p:spPr>
         <p:txBody>
@@ -9993,7 +10147,8 @@
           <a:p>
             <a:fld id="{530820CF-B880-4189-942D-D702A7CBA730}" type="datetimeFigureOut">
               <a:rPr lang="zh-CN" altLang="en-US" smtClean="0"/>
-              <a:t>2010/4/20</a:t>
+              <a:pPr/>
+              <a:t>2010-4-21</a:t>
             </a:fld>
             <a:endParaRPr lang="zh-CN" altLang="en-US"/>
           </a:p>
@@ -10035,6 +10190,7 @@
           <a:p>
             <a:fld id="{0C913308-F349-4B6D-A68A-DD1791B4A57B}" type="slidenum">
               <a:rPr lang="zh-CN" altLang="en-US" smtClean="0"/>
+              <a:pPr/>
               <a:t>‹#›</a:t>
             </a:fld>
             <a:endParaRPr lang="zh-CN" altLang="en-US"/>
@@ -10158,7 +10314,8 @@
           <a:p>
             <a:fld id="{530820CF-B880-4189-942D-D702A7CBA730}" type="datetimeFigureOut">
               <a:rPr lang="zh-CN" altLang="en-US" smtClean="0"/>
-              <a:t>2010/4/20</a:t>
+              <a:pPr/>
+              <a:t>2010-4-21</a:t>
             </a:fld>
             <a:endParaRPr lang="zh-CN" altLang="en-US"/>
           </a:p>
@@ -10200,6 +10357,7 @@
           <a:p>
             <a:fld id="{0C913308-F349-4B6D-A68A-DD1791B4A57B}" type="slidenum">
               <a:rPr lang="zh-CN" altLang="en-US" smtClean="0"/>
+              <a:pPr/>
               <a:t>‹#›</a:t>
             </a:fld>
             <a:endParaRPr lang="zh-CN" altLang="en-US"/>
@@ -10333,7 +10491,8 @@
           <a:p>
             <a:fld id="{530820CF-B880-4189-942D-D702A7CBA730}" type="datetimeFigureOut">
               <a:rPr lang="zh-CN" altLang="en-US" smtClean="0"/>
-              <a:t>2010/4/20</a:t>
+              <a:pPr/>
+              <a:t>2010-4-21</a:t>
             </a:fld>
             <a:endParaRPr lang="zh-CN" altLang="en-US"/>
           </a:p>
@@ -10375,6 +10534,7 @@
           <a:p>
             <a:fld id="{0C913308-F349-4B6D-A68A-DD1791B4A57B}" type="slidenum">
               <a:rPr lang="zh-CN" altLang="en-US" smtClean="0"/>
+              <a:pPr/>
               <a:t>‹#›</a:t>
             </a:fld>
             <a:endParaRPr lang="zh-CN" altLang="en-US"/>
@@ -10498,7 +10658,8 @@
           <a:p>
             <a:fld id="{530820CF-B880-4189-942D-D702A7CBA730}" type="datetimeFigureOut">
               <a:rPr lang="zh-CN" altLang="en-US" smtClean="0"/>
-              <a:t>2010/4/20</a:t>
+              <a:pPr/>
+              <a:t>2010-4-21</a:t>
             </a:fld>
             <a:endParaRPr lang="zh-CN" altLang="en-US"/>
           </a:p>
@@ -10540,6 +10701,7 @@
           <a:p>
             <a:fld id="{0C913308-F349-4B6D-A68A-DD1791B4A57B}" type="slidenum">
               <a:rPr lang="zh-CN" altLang="en-US" smtClean="0"/>
+              <a:pPr/>
               <a:t>‹#›</a:t>
             </a:fld>
             <a:endParaRPr lang="zh-CN" altLang="en-US"/>
@@ -10739,7 +10901,8 @@
           <a:p>
             <a:fld id="{530820CF-B880-4189-942D-D702A7CBA730}" type="datetimeFigureOut">
               <a:rPr lang="zh-CN" altLang="en-US" smtClean="0"/>
-              <a:t>2010/4/20</a:t>
+              <a:pPr/>
+              <a:t>2010-4-21</a:t>
             </a:fld>
             <a:endParaRPr lang="zh-CN" altLang="en-US"/>
           </a:p>
@@ -10781,6 +10944,7 @@
           <a:p>
             <a:fld id="{0C913308-F349-4B6D-A68A-DD1791B4A57B}" type="slidenum">
               <a:rPr lang="zh-CN" altLang="en-US" smtClean="0"/>
+              <a:pPr/>
               <a:t>‹#›</a:t>
             </a:fld>
             <a:endParaRPr lang="zh-CN" altLang="en-US"/>
@@ -11022,7 +11186,8 @@
           <a:p>
             <a:fld id="{530820CF-B880-4189-942D-D702A7CBA730}" type="datetimeFigureOut">
               <a:rPr lang="zh-CN" altLang="en-US" smtClean="0"/>
-              <a:t>2010/4/20</a:t>
+              <a:pPr/>
+              <a:t>2010-4-21</a:t>
             </a:fld>
             <a:endParaRPr lang="zh-CN" altLang="en-US"/>
           </a:p>
@@ -11064,6 +11229,7 @@
           <a:p>
             <a:fld id="{0C913308-F349-4B6D-A68A-DD1791B4A57B}" type="slidenum">
               <a:rPr lang="zh-CN" altLang="en-US" smtClean="0"/>
+              <a:pPr/>
               <a:t>‹#›</a:t>
             </a:fld>
             <a:endParaRPr lang="zh-CN" altLang="en-US"/>
@@ -11439,7 +11605,8 @@
           <a:p>
             <a:fld id="{530820CF-B880-4189-942D-D702A7CBA730}" type="datetimeFigureOut">
               <a:rPr lang="zh-CN" altLang="en-US" smtClean="0"/>
-              <a:t>2010/4/20</a:t>
+              <a:pPr/>
+              <a:t>2010-4-21</a:t>
             </a:fld>
             <a:endParaRPr lang="zh-CN" altLang="en-US"/>
           </a:p>
@@ -11481,6 +11648,7 @@
           <a:p>
             <a:fld id="{0C913308-F349-4B6D-A68A-DD1791B4A57B}" type="slidenum">
               <a:rPr lang="zh-CN" altLang="en-US" smtClean="0"/>
+              <a:pPr/>
               <a:t>‹#›</a:t>
             </a:fld>
             <a:endParaRPr lang="zh-CN" altLang="en-US"/>
@@ -11552,7 +11720,8 @@
           <a:p>
             <a:fld id="{530820CF-B880-4189-942D-D702A7CBA730}" type="datetimeFigureOut">
               <a:rPr lang="zh-CN" altLang="en-US" smtClean="0"/>
-              <a:t>2010/4/20</a:t>
+              <a:pPr/>
+              <a:t>2010-4-21</a:t>
             </a:fld>
             <a:endParaRPr lang="zh-CN" altLang="en-US"/>
           </a:p>
@@ -11594,6 +11763,7 @@
           <a:p>
             <a:fld id="{0C913308-F349-4B6D-A68A-DD1791B4A57B}" type="slidenum">
               <a:rPr lang="zh-CN" altLang="en-US" smtClean="0"/>
+              <a:pPr/>
               <a:t>‹#›</a:t>
             </a:fld>
             <a:endParaRPr lang="zh-CN" altLang="en-US"/>
@@ -11642,7 +11812,8 @@
           <a:p>
             <a:fld id="{530820CF-B880-4189-942D-D702A7CBA730}" type="datetimeFigureOut">
               <a:rPr lang="zh-CN" altLang="en-US" smtClean="0"/>
-              <a:t>2010/4/20</a:t>
+              <a:pPr/>
+              <a:t>2010-4-21</a:t>
             </a:fld>
             <a:endParaRPr lang="zh-CN" altLang="en-US"/>
           </a:p>
@@ -11684,6 +11855,7 @@
           <a:p>
             <a:fld id="{0C913308-F349-4B6D-A68A-DD1791B4A57B}" type="slidenum">
               <a:rPr lang="zh-CN" altLang="en-US" smtClean="0"/>
+              <a:pPr/>
               <a:t>‹#›</a:t>
             </a:fld>
             <a:endParaRPr lang="zh-CN" altLang="en-US"/>
@@ -11914,7 +12086,8 @@
           <a:p>
             <a:fld id="{530820CF-B880-4189-942D-D702A7CBA730}" type="datetimeFigureOut">
               <a:rPr lang="zh-CN" altLang="en-US" smtClean="0"/>
-              <a:t>2010/4/20</a:t>
+              <a:pPr/>
+              <a:t>2010-4-21</a:t>
             </a:fld>
             <a:endParaRPr lang="zh-CN" altLang="en-US"/>
           </a:p>
@@ -11956,6 +12129,7 @@
           <a:p>
             <a:fld id="{0C913308-F349-4B6D-A68A-DD1791B4A57B}" type="slidenum">
               <a:rPr lang="zh-CN" altLang="en-US" smtClean="0"/>
+              <a:pPr/>
               <a:t>‹#›</a:t>
             </a:fld>
             <a:endParaRPr lang="zh-CN" altLang="en-US"/>
@@ -12162,7 +12336,8 @@
           <a:p>
             <a:fld id="{530820CF-B880-4189-942D-D702A7CBA730}" type="datetimeFigureOut">
               <a:rPr lang="zh-CN" altLang="en-US" smtClean="0"/>
-              <a:t>2010/4/20</a:t>
+              <a:pPr/>
+              <a:t>2010-4-21</a:t>
             </a:fld>
             <a:endParaRPr lang="zh-CN" altLang="en-US"/>
           </a:p>
@@ -12204,6 +12379,7 @@
           <a:p>
             <a:fld id="{0C913308-F349-4B6D-A68A-DD1791B4A57B}" type="slidenum">
               <a:rPr lang="zh-CN" altLang="en-US" smtClean="0"/>
+              <a:pPr/>
               <a:t>‹#›</a:t>
             </a:fld>
             <a:endParaRPr lang="zh-CN" altLang="en-US"/>
@@ -12370,7 +12546,8 @@
           <a:p>
             <a:fld id="{530820CF-B880-4189-942D-D702A7CBA730}" type="datetimeFigureOut">
               <a:rPr lang="zh-CN" altLang="en-US" smtClean="0"/>
-              <a:t>2010/4/20</a:t>
+              <a:pPr/>
+              <a:t>2010-4-21</a:t>
             </a:fld>
             <a:endParaRPr lang="zh-CN" altLang="en-US"/>
           </a:p>
@@ -12448,6 +12625,7 @@
           <a:p>
             <a:fld id="{0C913308-F349-4B6D-A68A-DD1791B4A57B}" type="slidenum">
               <a:rPr lang="zh-CN" altLang="en-US" smtClean="0"/>
+              <a:pPr/>
               <a:t>‹#›</a:t>
             </a:fld>
             <a:endParaRPr lang="zh-CN" altLang="en-US"/>
@@ -12458,17 +12636,17 @@
   </p:cSld>
   <p:clrMap bg1="lt1" tx1="dk1" bg2="lt2" tx2="dk2" accent1="accent1" accent2="accent2" accent3="accent3" accent4="accent4" accent5="accent5" accent6="accent6" hlink="hlink" folHlink="folHlink"/>
   <p:sldLayoutIdLst>
-    <p:sldLayoutId id="2147483649" r:id="rId1"/>
-    <p:sldLayoutId id="2147483650" r:id="rId2"/>
-    <p:sldLayoutId id="2147483651" r:id="rId3"/>
-    <p:sldLayoutId id="2147483652" r:id="rId4"/>
-    <p:sldLayoutId id="2147483653" r:id="rId5"/>
-    <p:sldLayoutId id="2147483654" r:id="rId6"/>
-    <p:sldLayoutId id="2147483655" r:id="rId7"/>
-    <p:sldLayoutId id="2147483656" r:id="rId8"/>
-    <p:sldLayoutId id="2147483657" r:id="rId9"/>
-    <p:sldLayoutId id="2147483658" r:id="rId10"/>
-    <p:sldLayoutId id="2147483659" r:id="rId11"/>
+    <p:sldLayoutId id="2147483709" r:id="rId1"/>
+    <p:sldLayoutId id="2147483710" r:id="rId2"/>
+    <p:sldLayoutId id="2147483711" r:id="rId3"/>
+    <p:sldLayoutId id="2147483712" r:id="rId4"/>
+    <p:sldLayoutId id="2147483713" r:id="rId5"/>
+    <p:sldLayoutId id="2147483714" r:id="rId6"/>
+    <p:sldLayoutId id="2147483715" r:id="rId7"/>
+    <p:sldLayoutId id="2147483716" r:id="rId8"/>
+    <p:sldLayoutId id="2147483717" r:id="rId9"/>
+    <p:sldLayoutId id="2147483718" r:id="rId10"/>
+    <p:sldLayoutId id="2147483719" r:id="rId11"/>
   </p:sldLayoutIdLst>
   <p:txStyles>
     <p:titleStyle>
@@ -12784,7 +12962,7 @@
     </p:spTree>
     <p:extLst>
       <p:ext uri="{BB962C8B-B14F-4D97-AF65-F5344CB8AC3E}">
-        <p14:creationId xmlns:p14="http://schemas.microsoft.com/office/powerpoint/2010/main" val="3435565812"/>
+        <p14:creationId xmlns:p14="http://schemas.microsoft.com/office/powerpoint/2010/main" xmlns="" val="3435565812"/>
       </p:ext>
     </p:extLst>
   </p:cSld>
@@ -12851,10 +13029,15 @@
             <p:ph sz="half" idx="1"/>
           </p:nvPr>
         </p:nvSpPr>
-        <p:spPr/>
+        <p:spPr>
+          <a:xfrm>
+            <a:off x="457200" y="1600200"/>
+            <a:ext cx="4038600" cy="4829196"/>
+          </a:xfrm>
+        </p:spPr>
         <p:txBody>
           <a:bodyPr>
-            <a:normAutofit fontScale="92500" lnSpcReduction="20000"/>
+            <a:normAutofit fontScale="92500" lnSpcReduction="10000"/>
           </a:bodyPr>
           <a:lstStyle/>
           <a:p>
@@ -12875,15 +13058,7 @@
             </a:r>
             <a:r>
               <a:rPr lang="zh-CN" altLang="en-US" dirty="0" smtClean="0"/>
-              <a:t>等</a:t>
-            </a:r>
-            <a:r>
-              <a:rPr lang="zh-CN" altLang="en-US" dirty="0" smtClean="0"/>
-              <a:t>功能，</a:t>
-            </a:r>
-            <a:r>
-              <a:rPr lang="zh-CN" altLang="en-US" dirty="0" smtClean="0"/>
-              <a:t>以此作为实例</a:t>
+              <a:t>等功能，以此作为实例</a:t>
             </a:r>
             <a:r>
               <a:rPr lang="zh-CN" altLang="en-US" dirty="0"/>
@@ -12909,7 +13084,6 @@
               <a:rPr lang="zh-CN" altLang="en-US" dirty="0"/>
               <a:t>技术使电路开发更快速准确。</a:t>
             </a:r>
-            <a:endParaRPr lang="zh-CN" altLang="en-US" dirty="0"/>
           </a:p>
         </p:txBody>
       </p:sp>
@@ -12923,7 +13097,7 @@
             <p:ph sz="half" idx="2"/>
             <p:extLst>
               <p:ext uri="{D42A27DB-BD31-4B8C-83A1-F6EECF244321}">
-                <p14:modId xmlns:p14="http://schemas.microsoft.com/office/powerpoint/2010/main" val="905677036"/>
+                <p14:modId xmlns:p14="http://schemas.microsoft.com/office/powerpoint/2010/main" xmlns="" val="905677036"/>
               </p:ext>
             </p:extLst>
           </p:nvPr>
@@ -12941,7 +13115,7 @@
     </p:spTree>
     <p:extLst>
       <p:ext uri="{BB962C8B-B14F-4D97-AF65-F5344CB8AC3E}">
-        <p14:creationId xmlns:p14="http://schemas.microsoft.com/office/powerpoint/2010/main" val="2012853516"/>
+        <p14:creationId xmlns:p14="http://schemas.microsoft.com/office/powerpoint/2010/main" xmlns="" val="2012853516"/>
       </p:ext>
     </p:extLst>
   </p:cSld>
@@ -13012,7 +13186,7 @@
             <p:ph idx="1"/>
             <p:extLst>
               <p:ext uri="{D42A27DB-BD31-4B8C-83A1-F6EECF244321}">
-                <p14:modId xmlns:p14="http://schemas.microsoft.com/office/powerpoint/2010/main" val="2257942582"/>
+                <p14:modId xmlns:p14="http://schemas.microsoft.com/office/powerpoint/2010/main" xmlns="" val="2257942582"/>
               </p:ext>
             </p:extLst>
           </p:nvPr>
@@ -13066,7 +13240,7 @@
     </p:spTree>
     <p:extLst>
       <p:ext uri="{BB962C8B-B14F-4D97-AF65-F5344CB8AC3E}">
-        <p14:creationId xmlns:p14="http://schemas.microsoft.com/office/powerpoint/2010/main" val="1020870735"/>
+        <p14:creationId xmlns:p14="http://schemas.microsoft.com/office/powerpoint/2010/main" xmlns="" val="1020870735"/>
       </p:ext>
     </p:extLst>
   </p:cSld>
@@ -13074,7 +13248,7 @@
     <a:masterClrMapping/>
   </p:clrMapOvr>
   <mc:AlternateContent xmlns:mc="http://schemas.openxmlformats.org/markup-compatibility/2006">
-    <mc:Choice xmlns:p14="http://schemas.microsoft.com/office/powerpoint/2010/main" Requires="p14">
+    <mc:Choice xmlns:p14="http://schemas.microsoft.com/office/powerpoint/2010/main" xmlns="" Requires="p14">
       <p:transition spd="slow" p14:dur="2000"/>
     </mc:Choice>
     <mc:Fallback>
@@ -13117,10 +13291,10 @@
           <p:nvPr/>
         </p:nvPicPr>
         <p:blipFill>
-          <a:blip r:embed="rId2">
+          <a:blip r:embed="rId2" cstate="print">
             <a:extLst>
               <a:ext uri="{28A0092B-C50C-407E-A947-70E740481C1C}">
-                <a14:useLocalDpi xmlns:a14="http://schemas.microsoft.com/office/drawing/2010/main" val="0"/>
+                <a14:useLocalDpi xmlns:a14="http://schemas.microsoft.com/office/drawing/2010/main" xmlns="" val="0"/>
               </a:ext>
             </a:extLst>
           </a:blip>
@@ -13142,7 +13316,7 @@
           </a:ln>
           <a:extLst>
             <a:ext uri="{909E8E84-426E-40DD-AFC4-6F175D3DCCD1}">
-              <a14:hiddenFill xmlns:a14="http://schemas.microsoft.com/office/drawing/2010/main">
+              <a14:hiddenFill xmlns:a14="http://schemas.microsoft.com/office/drawing/2010/main" xmlns="">
                 <a:solidFill>
                   <a:srgbClr val="FFFFFF"/>
                 </a:solidFill>
@@ -13198,7 +13372,7 @@
     </p:spTree>
     <p:extLst>
       <p:ext uri="{BB962C8B-B14F-4D97-AF65-F5344CB8AC3E}">
-        <p14:creationId xmlns:p14="http://schemas.microsoft.com/office/powerpoint/2010/main" val="4024448869"/>
+        <p14:creationId xmlns:p14="http://schemas.microsoft.com/office/powerpoint/2010/main" xmlns="" val="4024448869"/>
       </p:ext>
     </p:extLst>
   </p:cSld>
@@ -13232,65 +13406,6 @@
           <a:chExt cx="0" cy="0"/>
         </a:xfrm>
       </p:grpSpPr>
-      <p:pic>
-        <p:nvPicPr>
-          <p:cNvPr id="4" name="内容占位符 3" descr="骨架-全对称OCL功放 - Multisim - [骨架-全对称OCL功放]"/>
-          <p:cNvPicPr>
-            <a:picLocks noGrp="1" noChangeAspect="1"/>
-          </p:cNvPicPr>
-          <p:nvPr>
-            <p:ph idx="1"/>
-          </p:nvPr>
-        </p:nvPicPr>
-        <p:blipFill>
-          <a:blip r:embed="rId2">
-            <a:extLst>
-              <a:ext uri="{28A0092B-C50C-407E-A947-70E740481C1C}">
-                <a14:useLocalDpi xmlns:a14="http://schemas.microsoft.com/office/drawing/2010/main" val="0"/>
-              </a:ext>
-            </a:extLst>
-          </a:blip>
-          <a:stretch>
-            <a:fillRect/>
-          </a:stretch>
-        </p:blipFill>
-        <p:spPr>
-          <a:xfrm>
-            <a:off x="15863" y="1316416"/>
-            <a:ext cx="9118424" cy="5541584"/>
-          </a:xfrm>
-        </p:spPr>
-      </p:pic>
-      <p:pic>
-        <p:nvPicPr>
-          <p:cNvPr id="7" name="图片 6" descr="示波器-XSC1"/>
-          <p:cNvPicPr>
-            <a:picLocks noChangeAspect="1"/>
-          </p:cNvPicPr>
-          <p:nvPr/>
-        </p:nvPicPr>
-        <p:blipFill>
-          <a:blip r:embed="rId3">
-            <a:extLst>
-              <a:ext uri="{28A0092B-C50C-407E-A947-70E740481C1C}">
-                <a14:useLocalDpi xmlns:a14="http://schemas.microsoft.com/office/drawing/2010/main" val="0"/>
-              </a:ext>
-            </a:extLst>
-          </a:blip>
-          <a:stretch>
-            <a:fillRect/>
-          </a:stretch>
-        </p:blipFill>
-        <p:spPr>
-          <a:xfrm>
-            <a:off x="952190" y="2348880"/>
-            <a:ext cx="5420482" cy="4277322"/>
-          </a:xfrm>
-          <a:prstGeom prst="rect">
-            <a:avLst/>
-          </a:prstGeom>
-        </p:spPr>
-      </p:pic>
       <p:sp>
         <p:nvSpPr>
           <p:cNvPr id="2" name="标题 1"/>
@@ -13328,6 +13443,65 @@
       </p:sp>
       <p:pic>
         <p:nvPicPr>
+          <p:cNvPr id="4" name="内容占位符 3" descr="骨架-全对称OCL功放 - Multisim - [骨架-全对称OCL功放]"/>
+          <p:cNvPicPr>
+            <a:picLocks noGrp="1" noChangeAspect="1"/>
+          </p:cNvPicPr>
+          <p:nvPr>
+            <p:ph idx="1"/>
+          </p:nvPr>
+        </p:nvPicPr>
+        <p:blipFill>
+          <a:blip r:embed="rId2" cstate="print">
+            <a:extLst>
+              <a:ext uri="{28A0092B-C50C-407E-A947-70E740481C1C}">
+                <a14:useLocalDpi xmlns:a14="http://schemas.microsoft.com/office/drawing/2010/main" xmlns="" val="0"/>
+              </a:ext>
+            </a:extLst>
+          </a:blip>
+          <a:stretch>
+            <a:fillRect/>
+          </a:stretch>
+        </p:blipFill>
+        <p:spPr>
+          <a:xfrm>
+            <a:off x="848367" y="1600200"/>
+            <a:ext cx="7447266" cy="4525963"/>
+          </a:xfrm>
+        </p:spPr>
+      </p:pic>
+      <p:pic>
+        <p:nvPicPr>
+          <p:cNvPr id="7" name="图片 6" descr="示波器-XSC1"/>
+          <p:cNvPicPr>
+            <a:picLocks noChangeAspect="1"/>
+          </p:cNvPicPr>
+          <p:nvPr/>
+        </p:nvPicPr>
+        <p:blipFill>
+          <a:blip r:embed="rId3" cstate="print">
+            <a:extLst>
+              <a:ext uri="{28A0092B-C50C-407E-A947-70E740481C1C}">
+                <a14:useLocalDpi xmlns:a14="http://schemas.microsoft.com/office/drawing/2010/main" xmlns="" val="0"/>
+              </a:ext>
+            </a:extLst>
+          </a:blip>
+          <a:stretch>
+            <a:fillRect/>
+          </a:stretch>
+        </p:blipFill>
+        <p:spPr>
+          <a:xfrm>
+            <a:off x="952190" y="2348880"/>
+            <a:ext cx="5420482" cy="4277322"/>
+          </a:xfrm>
+          <a:prstGeom prst="rect">
+            <a:avLst/>
+          </a:prstGeom>
+        </p:spPr>
+      </p:pic>
+      <p:pic>
+        <p:nvPicPr>
           <p:cNvPr id="6" name="图片 5" descr="波特图示仪-XBP1"/>
           <p:cNvPicPr>
             <a:picLocks noChangeAspect="1"/>
@@ -13335,10 +13509,10 @@
           <p:nvPr/>
         </p:nvPicPr>
         <p:blipFill>
-          <a:blip r:embed="rId4">
+          <a:blip r:embed="rId4" cstate="print">
             <a:extLst>
               <a:ext uri="{28A0092B-C50C-407E-A947-70E740481C1C}">
-                <a14:useLocalDpi xmlns:a14="http://schemas.microsoft.com/office/drawing/2010/main" val="0"/>
+                <a14:useLocalDpi xmlns:a14="http://schemas.microsoft.com/office/drawing/2010/main" xmlns="" val="0"/>
               </a:ext>
             </a:extLst>
           </a:blip>
@@ -13365,10 +13539,10 @@
           <p:nvPr/>
         </p:nvPicPr>
         <p:blipFill>
-          <a:blip r:embed="rId5">
+          <a:blip r:embed="rId5" cstate="print">
             <a:extLst>
               <a:ext uri="{28A0092B-C50C-407E-A947-70E740481C1C}">
-                <a14:useLocalDpi xmlns:a14="http://schemas.microsoft.com/office/drawing/2010/main" val="0"/>
+                <a14:useLocalDpi xmlns:a14="http://schemas.microsoft.com/office/drawing/2010/main" xmlns="" val="0"/>
               </a:ext>
             </a:extLst>
           </a:blip>
@@ -13389,7 +13563,7 @@
     </p:spTree>
     <p:extLst>
       <p:ext uri="{BB962C8B-B14F-4D97-AF65-F5344CB8AC3E}">
-        <p14:creationId xmlns:p14="http://schemas.microsoft.com/office/powerpoint/2010/main" val="1654927024"/>
+        <p14:creationId xmlns:p14="http://schemas.microsoft.com/office/powerpoint/2010/main" xmlns="" val="1654927024"/>
       </p:ext>
     </p:extLst>
   </p:cSld>
@@ -13757,10 +13931,10 @@
           </p:nvPr>
         </p:nvPicPr>
         <p:blipFill>
-          <a:blip r:embed="rId2">
+          <a:blip r:embed="rId2" cstate="print">
             <a:extLst>
               <a:ext uri="{28A0092B-C50C-407E-A947-70E740481C1C}">
-                <a14:useLocalDpi xmlns:a14="http://schemas.microsoft.com/office/drawing/2010/main" val="0"/>
+                <a14:useLocalDpi xmlns:a14="http://schemas.microsoft.com/office/drawing/2010/main" xmlns="" val="0"/>
               </a:ext>
             </a:extLst>
           </a:blip>
@@ -13778,7 +13952,7 @@
     </p:spTree>
     <p:extLst>
       <p:ext uri="{BB962C8B-B14F-4D97-AF65-F5344CB8AC3E}">
-        <p14:creationId xmlns:p14="http://schemas.microsoft.com/office/powerpoint/2010/main" val="1067338865"/>
+        <p14:creationId xmlns:p14="http://schemas.microsoft.com/office/powerpoint/2010/main" xmlns="" val="1067338865"/>
       </p:ext>
     </p:extLst>
   </p:cSld>
@@ -13837,27 +14011,513 @@
       </p:sp>
       <p:sp>
         <p:nvSpPr>
-          <p:cNvPr id="3" name="内容占位符 2"/>
-          <p:cNvSpPr>
-            <a:spLocks noGrp="1"/>
-          </p:cNvSpPr>
-          <p:nvPr>
-            <p:ph idx="1"/>
-          </p:nvPr>
+          <p:cNvPr id="4" name="矩形 3"/>
+          <p:cNvSpPr/>
+          <p:nvPr/>
         </p:nvSpPr>
-        <p:spPr/>
+        <p:spPr>
+          <a:xfrm>
+            <a:off x="-142908" y="3429000"/>
+            <a:ext cx="1857388" cy="428628"/>
+          </a:xfrm>
+          <a:prstGeom prst="rect">
+            <a:avLst/>
+          </a:prstGeom>
+        </p:spPr>
+        <p:style>
+          <a:lnRef idx="2">
+            <a:schemeClr val="accent1">
+              <a:shade val="50000"/>
+            </a:schemeClr>
+          </a:lnRef>
+          <a:fillRef idx="1">
+            <a:schemeClr val="accent1"/>
+          </a:fillRef>
+          <a:effectRef idx="0">
+            <a:schemeClr val="accent1"/>
+          </a:effectRef>
+          <a:fontRef idx="minor">
+            <a:schemeClr val="lt1"/>
+          </a:fontRef>
+        </p:style>
         <p:txBody>
-          <a:bodyPr/>
+          <a:bodyPr rtlCol="0" anchor="ctr"/>
           <a:lstStyle/>
           <a:p>
-            <a:endParaRPr lang="zh-CN" altLang="en-US" dirty="0"/>
+            <a:pPr algn="ctr"/>
+            <a:r>
+              <a:rPr lang="en-US" altLang="zh-CN" dirty="0" smtClean="0">
+                <a:latin typeface="微软雅黑" pitchFamily="34" charset="-122"/>
+                <a:ea typeface="微软雅黑" pitchFamily="34" charset="-122"/>
+              </a:rPr>
+              <a:t>PIC16F818</a:t>
+            </a:r>
+            <a:endParaRPr lang="zh-CN" altLang="en-US" dirty="0">
+              <a:latin typeface="微软雅黑" pitchFamily="34" charset="-122"/>
+              <a:ea typeface="微软雅黑" pitchFamily="34" charset="-122"/>
+            </a:endParaRPr>
+          </a:p>
+        </p:txBody>
+      </p:sp>
+      <p:sp>
+        <p:nvSpPr>
+          <p:cNvPr id="5" name="矩形 4"/>
+          <p:cNvSpPr/>
+          <p:nvPr/>
+        </p:nvSpPr>
+        <p:spPr>
+          <a:xfrm>
+            <a:off x="6715140" y="3643314"/>
+            <a:ext cx="1857388" cy="428628"/>
+          </a:xfrm>
+          <a:prstGeom prst="rect">
+            <a:avLst/>
+          </a:prstGeom>
+        </p:spPr>
+        <p:style>
+          <a:lnRef idx="2">
+            <a:schemeClr val="accent1">
+              <a:shade val="50000"/>
+            </a:schemeClr>
+          </a:lnRef>
+          <a:fillRef idx="1">
+            <a:schemeClr val="accent1"/>
+          </a:fillRef>
+          <a:effectRef idx="0">
+            <a:schemeClr val="accent1"/>
+          </a:effectRef>
+          <a:fontRef idx="minor">
+            <a:schemeClr val="lt1"/>
+          </a:fontRef>
+        </p:style>
+        <p:txBody>
+          <a:bodyPr rtlCol="0" anchor="ctr"/>
+          <a:lstStyle/>
+          <a:p>
+            <a:pPr algn="ctr"/>
+            <a:r>
+              <a:rPr lang="zh-CN" altLang="en-US" dirty="0" smtClean="0">
+                <a:latin typeface="微软雅黑" pitchFamily="34" charset="-122"/>
+                <a:ea typeface="微软雅黑" pitchFamily="34" charset="-122"/>
+              </a:rPr>
+              <a:t>音频功率放大器</a:t>
+            </a:r>
+            <a:endParaRPr lang="zh-CN" altLang="en-US" dirty="0">
+              <a:latin typeface="微软雅黑" pitchFamily="34" charset="-122"/>
+              <a:ea typeface="微软雅黑" pitchFamily="34" charset="-122"/>
+            </a:endParaRPr>
+          </a:p>
+        </p:txBody>
+      </p:sp>
+      <p:sp>
+        <p:nvSpPr>
+          <p:cNvPr id="6" name="左右箭头 5"/>
+          <p:cNvSpPr/>
+          <p:nvPr/>
+        </p:nvSpPr>
+        <p:spPr>
+          <a:xfrm>
+            <a:off x="571472" y="5715016"/>
+            <a:ext cx="1857388" cy="428628"/>
+          </a:xfrm>
+          <a:prstGeom prst="leftRightArrow">
+            <a:avLst>
+              <a:gd name="adj1" fmla="val 50000"/>
+              <a:gd name="adj2" fmla="val 50000"/>
+            </a:avLst>
+          </a:prstGeom>
+        </p:spPr>
+        <p:style>
+          <a:lnRef idx="2">
+            <a:schemeClr val="accent1">
+              <a:shade val="50000"/>
+            </a:schemeClr>
+          </a:lnRef>
+          <a:fillRef idx="1">
+            <a:schemeClr val="accent1"/>
+          </a:fillRef>
+          <a:effectRef idx="0">
+            <a:schemeClr val="accent1"/>
+          </a:effectRef>
+          <a:fontRef idx="minor">
+            <a:schemeClr val="lt1"/>
+          </a:fontRef>
+        </p:style>
+        <p:txBody>
+          <a:bodyPr rtlCol="0" anchor="ctr"/>
+          <a:lstStyle/>
+          <a:p>
+            <a:pPr algn="ctr"/>
+            <a:endParaRPr lang="zh-CN" altLang="en-US"/>
+          </a:p>
+        </p:txBody>
+      </p:sp>
+      <p:sp>
+        <p:nvSpPr>
+          <p:cNvPr id="7" name="TextBox 6"/>
+          <p:cNvSpPr txBox="1"/>
+          <p:nvPr/>
+        </p:nvSpPr>
+        <p:spPr>
+          <a:xfrm>
+            <a:off x="785786" y="5143512"/>
+            <a:ext cx="1357322" cy="523220"/>
+          </a:xfrm>
+          <a:prstGeom prst="rect">
+            <a:avLst/>
+          </a:prstGeom>
+          <a:noFill/>
+        </p:spPr>
+        <p:txBody>
+          <a:bodyPr wrap="square" rtlCol="0">
+            <a:spAutoFit/>
+          </a:bodyPr>
+          <a:lstStyle/>
+          <a:p>
+            <a:r>
+              <a:rPr lang="zh-CN" altLang="en-US" sz="1400" dirty="0" smtClean="0"/>
+              <a:t>中点电压调整，电源延时供给，</a:t>
+            </a:r>
+            <a:endParaRPr lang="zh-CN" altLang="en-US" sz="1400" dirty="0"/>
+          </a:p>
+        </p:txBody>
+      </p:sp>
+      <p:sp>
+        <p:nvSpPr>
+          <p:cNvPr id="8" name="矩形 7"/>
+          <p:cNvSpPr/>
+          <p:nvPr/>
+        </p:nvSpPr>
+        <p:spPr>
+          <a:xfrm>
+            <a:off x="6715140" y="5500702"/>
+            <a:ext cx="1857388" cy="428628"/>
+          </a:xfrm>
+          <a:prstGeom prst="rect">
+            <a:avLst/>
+          </a:prstGeom>
+        </p:spPr>
+        <p:style>
+          <a:lnRef idx="2">
+            <a:schemeClr val="accent1">
+              <a:shade val="50000"/>
+            </a:schemeClr>
+          </a:lnRef>
+          <a:fillRef idx="1">
+            <a:schemeClr val="accent1"/>
+          </a:fillRef>
+          <a:effectRef idx="0">
+            <a:schemeClr val="accent1"/>
+          </a:effectRef>
+          <a:fontRef idx="minor">
+            <a:schemeClr val="lt1"/>
+          </a:fontRef>
+        </p:style>
+        <p:txBody>
+          <a:bodyPr rtlCol="0" anchor="ctr"/>
+          <a:lstStyle/>
+          <a:p>
+            <a:pPr algn="ctr"/>
+            <a:r>
+              <a:rPr lang="zh-CN" altLang="en-US" dirty="0" smtClean="0">
+                <a:latin typeface="微软雅黑" pitchFamily="34" charset="-122"/>
+                <a:ea typeface="微软雅黑" pitchFamily="34" charset="-122"/>
+              </a:rPr>
+              <a:t>负载</a:t>
+            </a:r>
+            <a:endParaRPr lang="zh-CN" altLang="en-US" dirty="0">
+              <a:latin typeface="微软雅黑" pitchFamily="34" charset="-122"/>
+              <a:ea typeface="微软雅黑" pitchFamily="34" charset="-122"/>
+            </a:endParaRPr>
+          </a:p>
+        </p:txBody>
+      </p:sp>
+      <p:sp>
+        <p:nvSpPr>
+          <p:cNvPr id="9" name="矩形 8"/>
+          <p:cNvSpPr/>
+          <p:nvPr/>
+        </p:nvSpPr>
+        <p:spPr>
+          <a:xfrm>
+            <a:off x="6715140" y="1571612"/>
+            <a:ext cx="1857388" cy="428628"/>
+          </a:xfrm>
+          <a:prstGeom prst="rect">
+            <a:avLst/>
+          </a:prstGeom>
+        </p:spPr>
+        <p:style>
+          <a:lnRef idx="2">
+            <a:schemeClr val="accent1">
+              <a:shade val="50000"/>
+            </a:schemeClr>
+          </a:lnRef>
+          <a:fillRef idx="1">
+            <a:schemeClr val="accent1"/>
+          </a:fillRef>
+          <a:effectRef idx="0">
+            <a:schemeClr val="accent1"/>
+          </a:effectRef>
+          <a:fontRef idx="minor">
+            <a:schemeClr val="lt1"/>
+          </a:fontRef>
+        </p:style>
+        <p:txBody>
+          <a:bodyPr rtlCol="0" anchor="ctr"/>
+          <a:lstStyle/>
+          <a:p>
+            <a:pPr algn="ctr"/>
+            <a:r>
+              <a:rPr lang="zh-CN" altLang="en-US" dirty="0" smtClean="0">
+                <a:latin typeface="微软雅黑" pitchFamily="34" charset="-122"/>
+                <a:ea typeface="微软雅黑" pitchFamily="34" charset="-122"/>
+              </a:rPr>
+              <a:t>音频输入</a:t>
+            </a:r>
+            <a:endParaRPr lang="zh-CN" altLang="en-US" dirty="0">
+              <a:latin typeface="微软雅黑" pitchFamily="34" charset="-122"/>
+              <a:ea typeface="微软雅黑" pitchFamily="34" charset="-122"/>
+            </a:endParaRPr>
+          </a:p>
+        </p:txBody>
+      </p:sp>
+      <p:cxnSp>
+        <p:nvCxnSpPr>
+          <p:cNvPr id="11" name="直接箭头连接符 10"/>
+          <p:cNvCxnSpPr>
+            <a:stCxn id="9" idx="2"/>
+            <a:endCxn id="5" idx="0"/>
+          </p:cNvCxnSpPr>
+          <p:nvPr/>
+        </p:nvCxnSpPr>
+        <p:spPr>
+          <a:xfrm rot="5400000">
+            <a:off x="6822297" y="2821777"/>
+            <a:ext cx="1643074" cy="1588"/>
+          </a:xfrm>
+          <a:prstGeom prst="straightConnector1">
+            <a:avLst/>
+          </a:prstGeom>
+          <a:ln>
+            <a:tailEnd type="arrow"/>
+          </a:ln>
+        </p:spPr>
+        <p:style>
+          <a:lnRef idx="1">
+            <a:schemeClr val="accent1"/>
+          </a:lnRef>
+          <a:fillRef idx="0">
+            <a:schemeClr val="accent1"/>
+          </a:fillRef>
+          <a:effectRef idx="0">
+            <a:schemeClr val="accent1"/>
+          </a:effectRef>
+          <a:fontRef idx="minor">
+            <a:schemeClr val="tx1"/>
+          </a:fontRef>
+        </p:style>
+      </p:cxnSp>
+      <p:cxnSp>
+        <p:nvCxnSpPr>
+          <p:cNvPr id="19" name="直接箭头连接符 18"/>
+          <p:cNvCxnSpPr/>
+          <p:nvPr/>
+        </p:nvCxnSpPr>
+        <p:spPr>
+          <a:xfrm>
+            <a:off x="3929058" y="2857496"/>
+            <a:ext cx="3714776" cy="1588"/>
+          </a:xfrm>
+          <a:prstGeom prst="straightConnector1">
+            <a:avLst/>
+          </a:prstGeom>
+          <a:ln>
+            <a:tailEnd type="arrow"/>
+          </a:ln>
+        </p:spPr>
+        <p:style>
+          <a:lnRef idx="1">
+            <a:schemeClr val="accent1"/>
+          </a:lnRef>
+          <a:fillRef idx="0">
+            <a:schemeClr val="accent1"/>
+          </a:fillRef>
+          <a:effectRef idx="0">
+            <a:schemeClr val="accent1"/>
+          </a:effectRef>
+          <a:fontRef idx="minor">
+            <a:schemeClr val="tx1"/>
+          </a:fontRef>
+        </p:style>
+      </p:cxnSp>
+      <p:cxnSp>
+        <p:nvCxnSpPr>
+          <p:cNvPr id="21" name="直接连接符 20"/>
+          <p:cNvCxnSpPr>
+            <a:stCxn id="4" idx="0"/>
+          </p:cNvCxnSpPr>
+          <p:nvPr/>
+        </p:nvCxnSpPr>
+        <p:spPr>
+          <a:xfrm rot="5400000" flipH="1" flipV="1">
+            <a:off x="464315" y="3107529"/>
+            <a:ext cx="642942" cy="0"/>
+          </a:xfrm>
+          <a:prstGeom prst="line">
+            <a:avLst/>
+          </a:prstGeom>
+        </p:spPr>
+        <p:style>
+          <a:lnRef idx="1">
+            <a:schemeClr val="accent1"/>
+          </a:lnRef>
+          <a:fillRef idx="0">
+            <a:schemeClr val="accent1"/>
+          </a:fillRef>
+          <a:effectRef idx="0">
+            <a:schemeClr val="accent1"/>
+          </a:effectRef>
+          <a:fontRef idx="minor">
+            <a:schemeClr val="tx1"/>
+          </a:fontRef>
+        </p:style>
+      </p:cxnSp>
+      <p:cxnSp>
+        <p:nvCxnSpPr>
+          <p:cNvPr id="24" name="直接箭头连接符 23"/>
+          <p:cNvCxnSpPr>
+            <a:stCxn id="5" idx="2"/>
+            <a:endCxn id="8" idx="0"/>
+          </p:cNvCxnSpPr>
+          <p:nvPr/>
+        </p:nvCxnSpPr>
+        <p:spPr>
+          <a:xfrm rot="5400000">
+            <a:off x="6929454" y="4786322"/>
+            <a:ext cx="1428760" cy="1588"/>
+          </a:xfrm>
+          <a:prstGeom prst="straightConnector1">
+            <a:avLst/>
+          </a:prstGeom>
+          <a:ln>
+            <a:tailEnd type="arrow"/>
+          </a:ln>
+        </p:spPr>
+        <p:style>
+          <a:lnRef idx="1">
+            <a:schemeClr val="accent1"/>
+          </a:lnRef>
+          <a:fillRef idx="0">
+            <a:schemeClr val="accent1"/>
+          </a:fillRef>
+          <a:effectRef idx="0">
+            <a:schemeClr val="accent1"/>
+          </a:effectRef>
+          <a:fontRef idx="minor">
+            <a:schemeClr val="tx1"/>
+          </a:fontRef>
+        </p:style>
+      </p:cxnSp>
+      <p:cxnSp>
+        <p:nvCxnSpPr>
+          <p:cNvPr id="27" name="直接连接符 26"/>
+          <p:cNvCxnSpPr>
+            <a:stCxn id="4" idx="2"/>
+          </p:cNvCxnSpPr>
+          <p:nvPr/>
+        </p:nvCxnSpPr>
+        <p:spPr>
+          <a:xfrm rot="5400000">
+            <a:off x="285720" y="4357694"/>
+            <a:ext cx="1000132" cy="0"/>
+          </a:xfrm>
+          <a:prstGeom prst="line">
+            <a:avLst/>
+          </a:prstGeom>
+        </p:spPr>
+        <p:style>
+          <a:lnRef idx="1">
+            <a:schemeClr val="accent1"/>
+          </a:lnRef>
+          <a:fillRef idx="0">
+            <a:schemeClr val="accent1"/>
+          </a:fillRef>
+          <a:effectRef idx="0">
+            <a:schemeClr val="accent1"/>
+          </a:effectRef>
+          <a:fontRef idx="minor">
+            <a:schemeClr val="tx1"/>
+          </a:fontRef>
+        </p:style>
+      </p:cxnSp>
+      <p:cxnSp>
+        <p:nvCxnSpPr>
+          <p:cNvPr id="29" name="直接箭头连接符 28"/>
+          <p:cNvCxnSpPr/>
+          <p:nvPr/>
+        </p:nvCxnSpPr>
+        <p:spPr>
+          <a:xfrm>
+            <a:off x="3857620" y="4786322"/>
+            <a:ext cx="3714776" cy="1588"/>
+          </a:xfrm>
+          <a:prstGeom prst="straightConnector1">
+            <a:avLst/>
+          </a:prstGeom>
+          <a:ln>
+            <a:tailEnd type="arrow"/>
+          </a:ln>
+        </p:spPr>
+        <p:style>
+          <a:lnRef idx="1">
+            <a:schemeClr val="accent1"/>
+          </a:lnRef>
+          <a:fillRef idx="0">
+            <a:schemeClr val="accent1"/>
+          </a:fillRef>
+          <a:effectRef idx="0">
+            <a:schemeClr val="accent1"/>
+          </a:effectRef>
+          <a:fontRef idx="minor">
+            <a:schemeClr val="tx1"/>
+          </a:fontRef>
+        </p:style>
+      </p:cxnSp>
+      <p:sp>
+        <p:nvSpPr>
+          <p:cNvPr id="15" name="TextBox 14"/>
+          <p:cNvSpPr txBox="1"/>
+          <p:nvPr/>
+        </p:nvSpPr>
+        <p:spPr>
+          <a:xfrm>
+            <a:off x="1000100" y="1714488"/>
+            <a:ext cx="1785950" cy="307777"/>
+          </a:xfrm>
+          <a:prstGeom prst="rect">
+            <a:avLst/>
+          </a:prstGeom>
+          <a:noFill/>
+        </p:spPr>
+        <p:txBody>
+          <a:bodyPr wrap="square" rtlCol="0">
+            <a:spAutoFit/>
+          </a:bodyPr>
+          <a:lstStyle/>
+          <a:p>
+            <a:r>
+              <a:rPr lang="zh-CN" altLang="en-US" sz="1400" dirty="0" smtClean="0"/>
+              <a:t>音量调整，柔性剪峰</a:t>
+            </a:r>
+            <a:endParaRPr lang="zh-CN" altLang="en-US" sz="1400" dirty="0"/>
           </a:p>
         </p:txBody>
       </p:sp>
     </p:spTree>
     <p:extLst>
       <p:ext uri="{BB962C8B-B14F-4D97-AF65-F5344CB8AC3E}">
-        <p14:creationId xmlns:p14="http://schemas.microsoft.com/office/powerpoint/2010/main" val="3512875744"/>
+        <p14:creationId xmlns:p14="http://schemas.microsoft.com/office/powerpoint/2010/main" xmlns="" val="3512875744"/>
       </p:ext>
     </p:extLst>
   </p:cSld>

--- a/答辩PPT/张润华.pptx
+++ b/答辩PPT/张润华.pptx
@@ -3932,6 +3932,13 @@
         </dgm:presLayoutVars>
       </dgm:prSet>
       <dgm:spPr/>
+      <dgm:t>
+        <a:bodyPr/>
+        <a:lstStyle/>
+        <a:p>
+          <a:endParaRPr lang="zh-CN" altLang="en-US"/>
+        </a:p>
+      </dgm:t>
     </dgm:pt>
     <dgm:pt modelId="{88307F89-AE38-4A8D-A6A8-2C15AD28B281}" type="pres">
       <dgm:prSet presAssocID="{53DB860A-870D-47B4-BA05-CCCB35177562}" presName="vertFlow" presStyleCnt="0"/>
@@ -3951,6 +3958,13 @@
     <dgm:pt modelId="{A83E7880-1DF1-4827-9538-ECC598BF21E5}" type="pres">
       <dgm:prSet presAssocID="{60FA12E3-EE06-4E88-BAA7-3D676E915BA8}" presName="parTrans" presStyleLbl="sibTrans2D1" presStyleIdx="0" presStyleCnt="10"/>
       <dgm:spPr/>
+      <dgm:t>
+        <a:bodyPr/>
+        <a:lstStyle/>
+        <a:p>
+          <a:endParaRPr lang="zh-CN" altLang="en-US"/>
+        </a:p>
+      </dgm:t>
     </dgm:pt>
     <dgm:pt modelId="{53859A24-4416-44DD-A97C-8DAA32B33878}" type="pres">
       <dgm:prSet presAssocID="{610C6653-FE52-4DE9-BF98-3ED6F1F8B63F}" presName="child" presStyleLbl="alignAccFollowNode1" presStyleIdx="0" presStyleCnt="10" custScaleX="179678">
@@ -3971,6 +3985,13 @@
     <dgm:pt modelId="{10642174-78D2-456B-92B1-0ACEBAA77EDF}" type="pres">
       <dgm:prSet presAssocID="{A6BD17D7-BF59-41E2-A4D1-0760D3554BB0}" presName="sibTrans" presStyleLbl="sibTrans2D1" presStyleIdx="1" presStyleCnt="10"/>
       <dgm:spPr/>
+      <dgm:t>
+        <a:bodyPr/>
+        <a:lstStyle/>
+        <a:p>
+          <a:endParaRPr lang="zh-CN" altLang="en-US"/>
+        </a:p>
+      </dgm:t>
     </dgm:pt>
     <dgm:pt modelId="{1EFFBE01-AC06-419E-80FC-3A104C68703D}" type="pres">
       <dgm:prSet presAssocID="{43471DA7-3C01-4693-B9E4-AB7B145AD66A}" presName="child" presStyleLbl="alignAccFollowNode1" presStyleIdx="1" presStyleCnt="10" custScaleX="179678">
@@ -3991,6 +4012,13 @@
     <dgm:pt modelId="{C10B2059-DA09-41E5-A08E-F6F9684BBB46}" type="pres">
       <dgm:prSet presAssocID="{944A80D8-7CC9-40A0-AF86-01BEB51904B6}" presName="sibTrans" presStyleLbl="sibTrans2D1" presStyleIdx="2" presStyleCnt="10"/>
       <dgm:spPr/>
+      <dgm:t>
+        <a:bodyPr/>
+        <a:lstStyle/>
+        <a:p>
+          <a:endParaRPr lang="zh-CN" altLang="en-US"/>
+        </a:p>
+      </dgm:t>
     </dgm:pt>
     <dgm:pt modelId="{3BE32CB0-178D-46DE-A8EA-1DCE8AFBB027}" type="pres">
       <dgm:prSet presAssocID="{C1108C52-0695-4ED6-B59E-16B42BBB0234}" presName="child" presStyleLbl="alignAccFollowNode1" presStyleIdx="2" presStyleCnt="10" custScaleX="179678">
@@ -4011,6 +4039,13 @@
     <dgm:pt modelId="{FDFABCD7-B920-44CC-87CA-5BA31B59BB33}" type="pres">
       <dgm:prSet presAssocID="{6D6B9B5C-DD15-412B-8BCD-05BB00B53348}" presName="sibTrans" presStyleLbl="sibTrans2D1" presStyleIdx="3" presStyleCnt="10"/>
       <dgm:spPr/>
+      <dgm:t>
+        <a:bodyPr/>
+        <a:lstStyle/>
+        <a:p>
+          <a:endParaRPr lang="zh-CN" altLang="en-US"/>
+        </a:p>
+      </dgm:t>
     </dgm:pt>
     <dgm:pt modelId="{15B1010D-EEB5-4F41-A4A3-3A72ED0CD705}" type="pres">
       <dgm:prSet presAssocID="{A066D531-F593-44AD-BDAB-6E859677386C}" presName="child" presStyleLbl="alignAccFollowNode1" presStyleIdx="3" presStyleCnt="10" custScaleX="179678">
@@ -4031,6 +4066,13 @@
     <dgm:pt modelId="{AC25642D-0B6A-4BD1-B8CE-6D9FA6641F08}" type="pres">
       <dgm:prSet presAssocID="{5E552833-5F75-46B1-AB99-00D34F359FBF}" presName="sibTrans" presStyleLbl="sibTrans2D1" presStyleIdx="4" presStyleCnt="10"/>
       <dgm:spPr/>
+      <dgm:t>
+        <a:bodyPr/>
+        <a:lstStyle/>
+        <a:p>
+          <a:endParaRPr lang="zh-CN" altLang="en-US"/>
+        </a:p>
+      </dgm:t>
     </dgm:pt>
     <dgm:pt modelId="{C8B3E98B-A104-4C8D-9A68-A361B09261BB}" type="pres">
       <dgm:prSet presAssocID="{2CB4B48D-2616-4DE1-8DA4-80973FDE011A}" presName="child" presStyleLbl="alignAccFollowNode1" presStyleIdx="4" presStyleCnt="10" custScaleX="179678">
@@ -4070,6 +4112,13 @@
     <dgm:pt modelId="{E81C62E5-A1E9-4204-9AA1-C1C9C6C7A943}" type="pres">
       <dgm:prSet presAssocID="{DDE356B9-556A-4E2D-8BA8-5873E5A57A5B}" presName="parTrans" presStyleLbl="sibTrans2D1" presStyleIdx="5" presStyleCnt="10"/>
       <dgm:spPr/>
+      <dgm:t>
+        <a:bodyPr/>
+        <a:lstStyle/>
+        <a:p>
+          <a:endParaRPr lang="zh-CN" altLang="en-US"/>
+        </a:p>
+      </dgm:t>
     </dgm:pt>
     <dgm:pt modelId="{8DAA35A5-CE49-468C-B883-CE5CBE68D8F2}" type="pres">
       <dgm:prSet presAssocID="{B16B19C1-31AD-462A-9243-52112F8EF60E}" presName="child" presStyleLbl="alignAccFollowNode1" presStyleIdx="5" presStyleCnt="10" custScaleX="154806">
@@ -4079,10 +4128,24 @@
         </dgm:presLayoutVars>
       </dgm:prSet>
       <dgm:spPr/>
+      <dgm:t>
+        <a:bodyPr/>
+        <a:lstStyle/>
+        <a:p>
+          <a:endParaRPr lang="zh-CN" altLang="en-US"/>
+        </a:p>
+      </dgm:t>
     </dgm:pt>
     <dgm:pt modelId="{9BF0ACF8-3C36-426C-9AAE-CFC474651A1F}" type="pres">
       <dgm:prSet presAssocID="{DB44BB5E-3135-4DD0-A226-8AEE16DB168D}" presName="sibTrans" presStyleLbl="sibTrans2D1" presStyleIdx="6" presStyleCnt="10"/>
       <dgm:spPr/>
+      <dgm:t>
+        <a:bodyPr/>
+        <a:lstStyle/>
+        <a:p>
+          <a:endParaRPr lang="zh-CN" altLang="en-US"/>
+        </a:p>
+      </dgm:t>
     </dgm:pt>
     <dgm:pt modelId="{C476484A-BE4F-40C0-9141-7C446C979AE7}" type="pres">
       <dgm:prSet presAssocID="{C53BFB8E-6466-460C-9206-B1DD6D0AB14C}" presName="child" presStyleLbl="alignAccFollowNode1" presStyleIdx="6" presStyleCnt="10" custScaleX="154806">
@@ -4092,10 +4155,24 @@
         </dgm:presLayoutVars>
       </dgm:prSet>
       <dgm:spPr/>
+      <dgm:t>
+        <a:bodyPr/>
+        <a:lstStyle/>
+        <a:p>
+          <a:endParaRPr lang="zh-CN" altLang="en-US"/>
+        </a:p>
+      </dgm:t>
     </dgm:pt>
     <dgm:pt modelId="{35A07E10-4938-4C93-9645-61733C7CBE73}" type="pres">
       <dgm:prSet presAssocID="{052D2BD9-3E08-44FB-9D44-DBF14DDB6C98}" presName="sibTrans" presStyleLbl="sibTrans2D1" presStyleIdx="7" presStyleCnt="10"/>
       <dgm:spPr/>
+      <dgm:t>
+        <a:bodyPr/>
+        <a:lstStyle/>
+        <a:p>
+          <a:endParaRPr lang="zh-CN" altLang="en-US"/>
+        </a:p>
+      </dgm:t>
     </dgm:pt>
     <dgm:pt modelId="{E7EA3BF8-13F8-407E-A994-723830AB2E18}" type="pres">
       <dgm:prSet presAssocID="{26FCCFA3-B530-4D1B-8618-619000652128}" presName="child" presStyleLbl="alignAccFollowNode1" presStyleIdx="7" presStyleCnt="10" custScaleX="154806">
@@ -4105,10 +4182,24 @@
         </dgm:presLayoutVars>
       </dgm:prSet>
       <dgm:spPr/>
+      <dgm:t>
+        <a:bodyPr/>
+        <a:lstStyle/>
+        <a:p>
+          <a:endParaRPr lang="zh-CN" altLang="en-US"/>
+        </a:p>
+      </dgm:t>
     </dgm:pt>
     <dgm:pt modelId="{0C6E8BE9-C142-4A63-9D73-3E08A307BE69}" type="pres">
       <dgm:prSet presAssocID="{A3C8B568-9139-48F5-B4EB-A275BBE7814F}" presName="sibTrans" presStyleLbl="sibTrans2D1" presStyleIdx="8" presStyleCnt="10"/>
       <dgm:spPr/>
+      <dgm:t>
+        <a:bodyPr/>
+        <a:lstStyle/>
+        <a:p>
+          <a:endParaRPr lang="zh-CN" altLang="en-US"/>
+        </a:p>
+      </dgm:t>
     </dgm:pt>
     <dgm:pt modelId="{AF0C3DF2-6088-4531-8118-22B531BF7143}" type="pres">
       <dgm:prSet presAssocID="{E50505D7-1594-40C1-9C82-E50F02242EFE}" presName="child" presStyleLbl="alignAccFollowNode1" presStyleIdx="8" presStyleCnt="10" custScaleX="154806">
@@ -4129,6 +4220,13 @@
     <dgm:pt modelId="{D6463A17-EBD7-4CB7-8CE5-80524E270062}" type="pres">
       <dgm:prSet presAssocID="{6B9B181D-770D-43FB-8240-0C0690C52304}" presName="sibTrans" presStyleLbl="sibTrans2D1" presStyleIdx="9" presStyleCnt="10"/>
       <dgm:spPr/>
+      <dgm:t>
+        <a:bodyPr/>
+        <a:lstStyle/>
+        <a:p>
+          <a:endParaRPr lang="zh-CN" altLang="en-US"/>
+        </a:p>
+      </dgm:t>
     </dgm:pt>
     <dgm:pt modelId="{899EB482-5778-4116-8E5B-8748D01AFDA6}" type="pres">
       <dgm:prSet presAssocID="{B05F40AA-2074-47C0-AC96-8FC3C005277E}" presName="child" presStyleLbl="alignAccFollowNode1" presStyleIdx="9" presStyleCnt="10" custScaleX="154806">
@@ -4138,12 +4236,19 @@
         </dgm:presLayoutVars>
       </dgm:prSet>
       <dgm:spPr/>
+      <dgm:t>
+        <a:bodyPr/>
+        <a:lstStyle/>
+        <a:p>
+          <a:endParaRPr lang="zh-CN" altLang="en-US"/>
+        </a:p>
+      </dgm:t>
     </dgm:pt>
   </dgm:ptLst>
   <dgm:cxnLst>
     <dgm:cxn modelId="{DB34A5D4-452C-41E3-9157-E94057CDCD2F}" type="presOf" srcId="{8C35FBAA-1B04-4CBE-859D-411D6A48A362}" destId="{DCA563D7-02F5-4C7C-A327-EE7C13525745}" srcOrd="0" destOrd="0" presId="urn:microsoft.com/office/officeart/2005/8/layout/lProcess1"/>
+    <dgm:cxn modelId="{C78FDB80-3BE5-4B90-9234-E31BB0B499C5}" type="presOf" srcId="{A6BD17D7-BF59-41E2-A4D1-0760D3554BB0}" destId="{10642174-78D2-456B-92B1-0ACEBAA77EDF}" srcOrd="0" destOrd="0" presId="urn:microsoft.com/office/officeart/2005/8/layout/lProcess1"/>
     <dgm:cxn modelId="{46EB85A9-B109-48DF-A0C3-C858C14C7CB7}" type="presOf" srcId="{DB44BB5E-3135-4DD0-A226-8AEE16DB168D}" destId="{9BF0ACF8-3C36-426C-9AAE-CFC474651A1F}" srcOrd="0" destOrd="0" presId="urn:microsoft.com/office/officeart/2005/8/layout/lProcess1"/>
-    <dgm:cxn modelId="{C78FDB80-3BE5-4B90-9234-E31BB0B499C5}" type="presOf" srcId="{A6BD17D7-BF59-41E2-A4D1-0760D3554BB0}" destId="{10642174-78D2-456B-92B1-0ACEBAA77EDF}" srcOrd="0" destOrd="0" presId="urn:microsoft.com/office/officeart/2005/8/layout/lProcess1"/>
     <dgm:cxn modelId="{93A25B8F-C976-4615-8F5F-B344ACAD18EF}" type="presOf" srcId="{53DB860A-870D-47B4-BA05-CCCB35177562}" destId="{E36A2D95-97C1-44A6-B0E2-268397BE98FD}" srcOrd="0" destOrd="0" presId="urn:microsoft.com/office/officeart/2005/8/layout/lProcess1"/>
     <dgm:cxn modelId="{8798F500-1BB8-4847-A3A5-88C044D7FA64}" type="presOf" srcId="{B16B19C1-31AD-462A-9243-52112F8EF60E}" destId="{8DAA35A5-CE49-468C-B883-CE5CBE68D8F2}" srcOrd="0" destOrd="0" presId="urn:microsoft.com/office/officeart/2005/8/layout/lProcess1"/>
     <dgm:cxn modelId="{8F9346BF-ADD2-4AC4-91F5-5103C20F2A00}" type="presOf" srcId="{B05F40AA-2074-47C0-AC96-8FC3C005277E}" destId="{899EB482-5778-4116-8E5B-8748D01AFDA6}" srcOrd="0" destOrd="0" presId="urn:microsoft.com/office/officeart/2005/8/layout/lProcess1"/>
@@ -4158,8 +4263,8 @@
     <dgm:cxn modelId="{F5FFF54F-A13E-4F16-8F3F-2230B2581EF7}" srcId="{8C35FBAA-1B04-4CBE-859D-411D6A48A362}" destId="{53DB860A-870D-47B4-BA05-CCCB35177562}" srcOrd="0" destOrd="0" parTransId="{44A5FAAF-0DEB-4A47-872F-DF6EA2CAB778}" sibTransId="{1E2B9E56-43D7-445B-BC6D-B98DE878DE71}"/>
     <dgm:cxn modelId="{B0E6C5B9-D762-4803-A744-18CB775CA76A}" type="presOf" srcId="{C1108C52-0695-4ED6-B59E-16B42BBB0234}" destId="{3BE32CB0-178D-46DE-A8EA-1DCE8AFBB027}" srcOrd="0" destOrd="0" presId="urn:microsoft.com/office/officeart/2005/8/layout/lProcess1"/>
     <dgm:cxn modelId="{87127497-3A3F-44EE-8189-B4073D89111F}" type="presOf" srcId="{944A80D8-7CC9-40A0-AF86-01BEB51904B6}" destId="{C10B2059-DA09-41E5-A08E-F6F9684BBB46}" srcOrd="0" destOrd="0" presId="urn:microsoft.com/office/officeart/2005/8/layout/lProcess1"/>
+    <dgm:cxn modelId="{76F75318-59FF-486F-8E31-2CD12A9BE3EA}" type="presOf" srcId="{A066D531-F593-44AD-BDAB-6E859677386C}" destId="{15B1010D-EEB5-4F41-A4A3-3A72ED0CD705}" srcOrd="0" destOrd="0" presId="urn:microsoft.com/office/officeart/2005/8/layout/lProcess1"/>
     <dgm:cxn modelId="{DFDBD1F4-F5AD-496C-8E34-E81EBEB44A02}" srcId="{53DB860A-870D-47B4-BA05-CCCB35177562}" destId="{43471DA7-3C01-4693-B9E4-AB7B145AD66A}" srcOrd="1" destOrd="0" parTransId="{88C193CD-2C78-4AD1-83D3-ADEA08D69C91}" sibTransId="{944A80D8-7CC9-40A0-AF86-01BEB51904B6}"/>
-    <dgm:cxn modelId="{76F75318-59FF-486F-8E31-2CD12A9BE3EA}" type="presOf" srcId="{A066D531-F593-44AD-BDAB-6E859677386C}" destId="{15B1010D-EEB5-4F41-A4A3-3A72ED0CD705}" srcOrd="0" destOrd="0" presId="urn:microsoft.com/office/officeart/2005/8/layout/lProcess1"/>
     <dgm:cxn modelId="{1822C436-0470-49B5-8B4B-5835DD6D3A05}" type="presOf" srcId="{A3C8B568-9139-48F5-B4EB-A275BBE7814F}" destId="{0C6E8BE9-C142-4A63-9D73-3E08A307BE69}" srcOrd="0" destOrd="0" presId="urn:microsoft.com/office/officeart/2005/8/layout/lProcess1"/>
     <dgm:cxn modelId="{87403021-6143-43DD-B735-7B40C3BB9F9A}" srcId="{BEF84DEA-270D-434E-AF61-B93D1D82F6B5}" destId="{26FCCFA3-B530-4D1B-8618-619000652128}" srcOrd="2" destOrd="0" parTransId="{2BAB03C2-5A33-4DC2-9F90-A6F476BA85C0}" sibTransId="{A3C8B568-9139-48F5-B4EB-A275BBE7814F}"/>
     <dgm:cxn modelId="{0BD2B73C-EC4D-4999-B422-4E5F5C050192}" type="presOf" srcId="{C53BFB8E-6466-460C-9206-B1DD6D0AB14C}" destId="{C476484A-BE4F-40C0-9141-7C446C979AE7}" srcOrd="0" destOrd="0" presId="urn:microsoft.com/office/officeart/2005/8/layout/lProcess1"/>
@@ -18384,11 +18489,38 @@
             <p:ph type="subTitle" idx="1"/>
           </p:nvPr>
         </p:nvSpPr>
-        <p:spPr/>
+        <p:spPr>
+          <a:xfrm>
+            <a:off x="7020272" y="4869160"/>
+            <a:ext cx="1981200" cy="1828800"/>
+          </a:xfrm>
+        </p:spPr>
         <p:txBody>
           <a:bodyPr/>
           <a:lstStyle/>
           <a:p>
+            <a:r>
+              <a:rPr lang="zh-CN" altLang="en-US" dirty="0"/>
+              <a:t>张润</a:t>
+            </a:r>
+            <a:r>
+              <a:rPr lang="zh-CN" altLang="en-US" dirty="0" smtClean="0"/>
+              <a:t>华</a:t>
+            </a:r>
+            <a:endParaRPr lang="en-US" altLang="zh-CN" dirty="0" smtClean="0"/>
+          </a:p>
+          <a:p>
+            <a:r>
+              <a:rPr lang="zh-CN" altLang="en-US" dirty="0" smtClean="0"/>
+              <a:t>电子信息</a:t>
+            </a:r>
+            <a:endParaRPr lang="en-US" altLang="zh-CN" dirty="0" smtClean="0"/>
+          </a:p>
+          <a:p>
+            <a:r>
+              <a:rPr lang="en-US" altLang="zh-CN" dirty="0" smtClean="0"/>
+              <a:t>06051074</a:t>
+            </a:r>
             <a:endParaRPr lang="zh-CN" altLang="en-US" dirty="0"/>
           </a:p>
         </p:txBody>
@@ -18412,7 +18544,26 @@
           <a:p>
             <a:r>
               <a:rPr lang="zh-CN" altLang="en-US" dirty="0"/>
-              <a:t>基于单片机辅助的音频功率放大器</a:t>
+              <a:t>基于单片机辅助</a:t>
+            </a:r>
+            <a:r>
+              <a:rPr lang="zh-CN" altLang="en-US" dirty="0" smtClean="0"/>
+              <a:t>的</a:t>
+            </a:r>
+            <a:r>
+              <a:rPr lang="en-US" altLang="zh-CN" dirty="0" smtClean="0"/>
+              <a:t/>
+            </a:r>
+            <a:br>
+              <a:rPr lang="en-US" altLang="zh-CN" dirty="0" smtClean="0"/>
+            </a:br>
+            <a:r>
+              <a:rPr lang="zh-CN" altLang="en-US" dirty="0" smtClean="0"/>
+              <a:t>音频</a:t>
+            </a:r>
+            <a:r>
+              <a:rPr lang="zh-CN" altLang="en-US" dirty="0"/>
+              <a:t>功率放大器</a:t>
             </a:r>
           </a:p>
         </p:txBody>
